--- a/JSP PPT/第06章 开发运行环境.pptx
+++ b/JSP PPT/第06章 开发运行环境.pptx
@@ -5,7 +5,7 @@
     <p:sldMasterId id="2147483696" r:id="rId1"/>
   </p:sldMasterIdLst>
   <p:notesMasterIdLst>
-    <p:notesMasterId r:id="rId33"/>
+    <p:notesMasterId r:id="rId27"/>
   </p:notesMasterIdLst>
   <p:sldIdLst>
     <p:sldId id="256" r:id="rId2"/>
@@ -30,15 +30,9 @@
     <p:sldId id="304" r:id="rId21"/>
     <p:sldId id="317" r:id="rId22"/>
     <p:sldId id="305" r:id="rId23"/>
-    <p:sldId id="306" r:id="rId24"/>
-    <p:sldId id="307" r:id="rId25"/>
-    <p:sldId id="308" r:id="rId26"/>
-    <p:sldId id="309" r:id="rId27"/>
-    <p:sldId id="310" r:id="rId28"/>
-    <p:sldId id="311" r:id="rId29"/>
-    <p:sldId id="312" r:id="rId30"/>
-    <p:sldId id="316" r:id="rId31"/>
-    <p:sldId id="288" r:id="rId32"/>
+    <p:sldId id="312" r:id="rId24"/>
+    <p:sldId id="316" r:id="rId25"/>
+    <p:sldId id="288" r:id="rId26"/>
   </p:sldIdLst>
   <p:sldSz cx="9144000" cy="5143500" type="screen16x9"/>
   <p:notesSz cx="6858000" cy="9144000"/>
@@ -6732,7 +6726,7 @@
           <a:p>
             <a:fld id="{47A6EDB1-D80D-46F5-B957-53D48CA4700D}" type="datetimeFigureOut">
               <a:rPr lang="zh-CN" altLang="en-US" smtClean="0"/>
-              <a:t>2018/9/11</a:t>
+              <a:t>2019/10/15</a:t>
             </a:fld>
             <a:endParaRPr lang="zh-CN" altLang="en-US"/>
           </a:p>
@@ -7275,7 +7269,7 @@
           <a:p>
             <a:fld id="{530820CF-B880-4189-942D-D702A7CBA730}" type="datetimeFigureOut">
               <a:rPr lang="zh-CN" altLang="en-US" smtClean="0"/>
-              <a:t>2018/9/11</a:t>
+              <a:t>2019/10/15</a:t>
             </a:fld>
             <a:endParaRPr lang="zh-CN" altLang="en-US"/>
           </a:p>
@@ -7440,7 +7434,7 @@
           <a:p>
             <a:fld id="{530820CF-B880-4189-942D-D702A7CBA730}" type="datetimeFigureOut">
               <a:rPr lang="zh-CN" altLang="en-US" smtClean="0"/>
-              <a:t>2018/9/11</a:t>
+              <a:t>2019/10/15</a:t>
             </a:fld>
             <a:endParaRPr lang="zh-CN" altLang="en-US"/>
           </a:p>
@@ -7615,7 +7609,7 @@
           <a:p>
             <a:fld id="{530820CF-B880-4189-942D-D702A7CBA730}" type="datetimeFigureOut">
               <a:rPr lang="zh-CN" altLang="en-US" smtClean="0"/>
-              <a:t>2018/9/11</a:t>
+              <a:t>2019/10/15</a:t>
             </a:fld>
             <a:endParaRPr lang="zh-CN" altLang="en-US"/>
           </a:p>
@@ -7798,7 +7792,7 @@
           <a:p>
             <a:fld id="{530820CF-B880-4189-942D-D702A7CBA730}" type="datetimeFigureOut">
               <a:rPr lang="zh-CN" altLang="en-US" smtClean="0"/>
-              <a:t>2018/9/11</a:t>
+              <a:t>2019/10/15</a:t>
             </a:fld>
             <a:endParaRPr lang="zh-CN" altLang="en-US"/>
           </a:p>
@@ -8060,7 +8054,7 @@
           <a:p>
             <a:fld id="{530820CF-B880-4189-942D-D702A7CBA730}" type="datetimeFigureOut">
               <a:rPr lang="zh-CN" altLang="en-US" smtClean="0"/>
-              <a:t>2018/9/11</a:t>
+              <a:t>2019/10/15</a:t>
             </a:fld>
             <a:endParaRPr lang="zh-CN" altLang="en-US"/>
           </a:p>
@@ -8408,7 +8402,7 @@
           <a:p>
             <a:fld id="{530820CF-B880-4189-942D-D702A7CBA730}" type="datetimeFigureOut">
               <a:rPr lang="zh-CN" altLang="en-US" smtClean="0"/>
-              <a:t>2018/9/11</a:t>
+              <a:t>2019/10/15</a:t>
             </a:fld>
             <a:endParaRPr lang="zh-CN" altLang="en-US"/>
           </a:p>
@@ -8716,7 +8710,7 @@
           <a:p>
             <a:fld id="{530820CF-B880-4189-942D-D702A7CBA730}" type="datetimeFigureOut">
               <a:rPr lang="zh-CN" altLang="en-US" smtClean="0"/>
-              <a:t>2018/9/11</a:t>
+              <a:t>2019/10/15</a:t>
             </a:fld>
             <a:endParaRPr lang="zh-CN" altLang="en-US"/>
           </a:p>
@@ -8943,7 +8937,7 @@
           <a:p>
             <a:fld id="{530820CF-B880-4189-942D-D702A7CBA730}" type="datetimeFigureOut">
               <a:rPr lang="zh-CN" altLang="en-US" smtClean="0"/>
-              <a:t>2018/9/11</a:t>
+              <a:t>2019/10/15</a:t>
             </a:fld>
             <a:endParaRPr lang="zh-CN" altLang="en-US"/>
           </a:p>
@@ -9033,7 +9027,7 @@
           <a:p>
             <a:fld id="{530820CF-B880-4189-942D-D702A7CBA730}" type="datetimeFigureOut">
               <a:rPr lang="zh-CN" altLang="en-US" smtClean="0"/>
-              <a:t>2018/9/11</a:t>
+              <a:t>2019/10/15</a:t>
             </a:fld>
             <a:endParaRPr lang="zh-CN" altLang="en-US"/>
           </a:p>
@@ -9321,7 +9315,7 @@
           <a:p>
             <a:fld id="{530820CF-B880-4189-942D-D702A7CBA730}" type="datetimeFigureOut">
               <a:rPr lang="zh-CN" altLang="en-US" smtClean="0"/>
-              <a:t>2018/9/11</a:t>
+              <a:t>2019/10/15</a:t>
             </a:fld>
             <a:endParaRPr lang="zh-CN" altLang="en-US"/>
           </a:p>
@@ -9590,7 +9584,7 @@
           <a:p>
             <a:fld id="{530820CF-B880-4189-942D-D702A7CBA730}" type="datetimeFigureOut">
               <a:rPr lang="zh-CN" altLang="en-US" smtClean="0"/>
-              <a:t>2018/9/11</a:t>
+              <a:t>2019/10/15</a:t>
             </a:fld>
             <a:endParaRPr lang="zh-CN" altLang="en-US"/>
           </a:p>
@@ -9800,7 +9794,7 @@
           <a:p>
             <a:fld id="{530820CF-B880-4189-942D-D702A7CBA730}" type="datetimeFigureOut">
               <a:rPr lang="zh-CN" altLang="en-US" smtClean="0"/>
-              <a:t>2018/9/11</a:t>
+              <a:t>2019/10/15</a:t>
             </a:fld>
             <a:endParaRPr lang="zh-CN" altLang="en-US"/>
           </a:p>
@@ -14663,11 +14657,7 @@
           <a:p>
             <a:r>
               <a:rPr lang="en-US" altLang="zh-CN" sz="4800" dirty="0"/>
-              <a:t>6.3 </a:t>
-            </a:r>
-            <a:r>
-              <a:rPr lang="en-US" altLang="zh-CN" sz="4800" dirty="0" err="1"/>
-              <a:t>MyEclipse</a:t>
+              <a:t>6.3 Eclipse</a:t>
             </a:r>
             <a:r>
               <a:rPr lang="zh-CN" altLang="en-US" sz="4800" dirty="0"/>
@@ -14702,17 +14692,13 @@
               <a:buNone/>
             </a:pPr>
             <a:r>
-              <a:rPr lang="en-US" altLang="zh-CN" sz="1800" dirty="0"/>
-              <a:t>         </a:t>
-            </a:r>
-            <a:r>
-              <a:rPr lang="en-US" altLang="zh-CN" dirty="0" err="1">
+              <a:rPr lang="en-US" altLang="zh-CN" dirty="0">
                 <a:solidFill>
                   <a:schemeClr val="tx1"/>
                 </a:solidFill>
                 <a:latin typeface="+mn-ea"/>
               </a:rPr>
-              <a:t>MyEclipse</a:t>
+              <a:t>Eclipse</a:t>
             </a:r>
             <a:r>
               <a:rPr lang="zh-CN" altLang="zh-CN" dirty="0">
@@ -14721,7 +14707,25 @@
                 </a:solidFill>
                 <a:latin typeface="+mn-ea"/>
               </a:rPr>
-              <a:t>是对</a:t>
+              <a:t>可以</a:t>
+            </a:r>
+            <a:r>
+              <a:rPr lang="zh-CN" altLang="en-US" dirty="0">
+                <a:solidFill>
+                  <a:schemeClr val="tx1"/>
+                </a:solidFill>
+                <a:latin typeface="+mn-ea"/>
+              </a:rPr>
+              <a:t>让程序员</a:t>
+            </a:r>
+            <a:r>
+              <a:rPr lang="zh-CN" altLang="zh-CN" dirty="0">
+                <a:solidFill>
+                  <a:schemeClr val="tx1"/>
+                </a:solidFill>
+                <a:latin typeface="+mn-ea"/>
+              </a:rPr>
+              <a:t>方便地进行</a:t>
             </a:r>
             <a:r>
               <a:rPr lang="en-US" altLang="zh-CN" dirty="0">
@@ -14730,6 +14734,42 @@
                 </a:solidFill>
                 <a:latin typeface="+mn-ea"/>
               </a:rPr>
+              <a:t>Java</a:t>
+            </a:r>
+            <a:r>
+              <a:rPr lang="zh-CN" altLang="zh-CN" dirty="0">
+                <a:solidFill>
+                  <a:schemeClr val="tx1"/>
+                </a:solidFill>
+                <a:latin typeface="+mn-ea"/>
+              </a:rPr>
+              <a:t>、</a:t>
+            </a:r>
+            <a:r>
+              <a:rPr lang="en-US" altLang="zh-CN" dirty="0">
+                <a:solidFill>
+                  <a:schemeClr val="tx1"/>
+                </a:solidFill>
+                <a:latin typeface="+mn-ea"/>
+              </a:rPr>
+              <a:t>JSP</a:t>
+            </a:r>
+            <a:r>
+              <a:rPr lang="zh-CN" altLang="zh-CN" dirty="0">
+                <a:solidFill>
+                  <a:schemeClr val="tx1"/>
+                </a:solidFill>
+                <a:latin typeface="+mn-ea"/>
+              </a:rPr>
+              <a:t>、数据库等项目的开发和发布。作为集成开发环境，</a:t>
+            </a:r>
+            <a:r>
+              <a:rPr lang="en-US" altLang="zh-CN" dirty="0">
+                <a:solidFill>
+                  <a:schemeClr val="tx1"/>
+                </a:solidFill>
+                <a:latin typeface="+mn-ea"/>
+              </a:rPr>
               <a:t>Eclipse</a:t>
             </a:r>
             <a:r>
@@ -14739,16 +14779,16 @@
                 </a:solidFill>
                 <a:latin typeface="+mn-ea"/>
               </a:rPr>
-              <a:t>的扩展，利用它开发者可以方便地进行</a:t>
-            </a:r>
-            <a:r>
-              <a:rPr lang="en-US" altLang="zh-CN" dirty="0">
-                <a:solidFill>
-                  <a:schemeClr val="tx1"/>
+              <a:t>包括了完备的</a:t>
+            </a:r>
+            <a:r>
+              <a:rPr lang="zh-CN" altLang="zh-CN" b="1" dirty="0">
+                <a:solidFill>
+                  <a:schemeClr val="accent1"/>
                 </a:solidFill>
                 <a:latin typeface="+mn-ea"/>
               </a:rPr>
-              <a:t>Java</a:t>
+              <a:t>编码</a:t>
             </a:r>
             <a:r>
               <a:rPr lang="zh-CN" altLang="zh-CN" dirty="0">
@@ -14760,13 +14800,13 @@
               <a:t>、</a:t>
             </a:r>
             <a:r>
-              <a:rPr lang="en-US" altLang="zh-CN" dirty="0">
-                <a:solidFill>
-                  <a:schemeClr val="tx1"/>
+              <a:rPr lang="zh-CN" altLang="zh-CN" b="1" dirty="0">
+                <a:solidFill>
+                  <a:schemeClr val="accent1"/>
                 </a:solidFill>
                 <a:latin typeface="+mn-ea"/>
               </a:rPr>
-              <a:t>JSP</a:t>
+              <a:t>调试</a:t>
             </a:r>
             <a:r>
               <a:rPr lang="zh-CN" altLang="zh-CN" dirty="0">
@@ -14775,16 +14815,16 @@
                 </a:solidFill>
                 <a:latin typeface="+mn-ea"/>
               </a:rPr>
-              <a:t>、数据库等项目的开发和发布。作为集成开发环境，</a:t>
-            </a:r>
-            <a:r>
-              <a:rPr lang="en-US" altLang="zh-CN" dirty="0" err="1">
-                <a:solidFill>
-                  <a:schemeClr val="tx1"/>
+              <a:t>、</a:t>
+            </a:r>
+            <a:r>
+              <a:rPr lang="zh-CN" altLang="zh-CN" b="1" dirty="0">
+                <a:solidFill>
+                  <a:schemeClr val="accent1"/>
                 </a:solidFill>
                 <a:latin typeface="+mn-ea"/>
               </a:rPr>
-              <a:t>MyEclipse</a:t>
+              <a:t>测试</a:t>
             </a:r>
             <a:r>
               <a:rPr lang="zh-CN" altLang="zh-CN" dirty="0">
@@ -14793,7 +14833,7 @@
                 </a:solidFill>
                 <a:latin typeface="+mn-ea"/>
               </a:rPr>
-              <a:t>包括了完备的</a:t>
+              <a:t>和</a:t>
             </a:r>
             <a:r>
               <a:rPr lang="zh-CN" altLang="zh-CN" b="1" dirty="0">
@@ -14802,7 +14842,7 @@
                 </a:solidFill>
                 <a:latin typeface="+mn-ea"/>
               </a:rPr>
-              <a:t>编码</a:t>
+              <a:t>发布功能</a:t>
             </a:r>
             <a:r>
               <a:rPr lang="zh-CN" altLang="zh-CN" dirty="0">
@@ -14811,136 +14851,7 @@
                 </a:solidFill>
                 <a:latin typeface="+mn-ea"/>
               </a:rPr>
-              <a:t>、</a:t>
-            </a:r>
-            <a:r>
-              <a:rPr lang="zh-CN" altLang="zh-CN" b="1" dirty="0">
-                <a:solidFill>
-                  <a:schemeClr val="accent1"/>
-                </a:solidFill>
-                <a:latin typeface="+mn-ea"/>
-              </a:rPr>
-              <a:t>调试</a:t>
-            </a:r>
-            <a:r>
-              <a:rPr lang="zh-CN" altLang="zh-CN" dirty="0">
-                <a:solidFill>
-                  <a:schemeClr val="tx1"/>
-                </a:solidFill>
-                <a:latin typeface="+mn-ea"/>
-              </a:rPr>
-              <a:t>、</a:t>
-            </a:r>
-            <a:r>
-              <a:rPr lang="zh-CN" altLang="zh-CN" b="1" dirty="0">
-                <a:solidFill>
-                  <a:schemeClr val="accent1"/>
-                </a:solidFill>
-                <a:latin typeface="+mn-ea"/>
-              </a:rPr>
-              <a:t>测试</a:t>
-            </a:r>
-            <a:r>
-              <a:rPr lang="zh-CN" altLang="zh-CN" dirty="0">
-                <a:solidFill>
-                  <a:schemeClr val="tx1"/>
-                </a:solidFill>
-                <a:latin typeface="+mn-ea"/>
-              </a:rPr>
-              <a:t>和</a:t>
-            </a:r>
-            <a:r>
-              <a:rPr lang="zh-CN" altLang="zh-CN" b="1" dirty="0">
-                <a:solidFill>
-                  <a:schemeClr val="accent1"/>
-                </a:solidFill>
-                <a:latin typeface="+mn-ea"/>
-              </a:rPr>
-              <a:t>发布功能</a:t>
-            </a:r>
-            <a:r>
-              <a:rPr lang="zh-CN" altLang="zh-CN" dirty="0">
-                <a:solidFill>
-                  <a:schemeClr val="tx1"/>
-                </a:solidFill>
-                <a:latin typeface="+mn-ea"/>
-              </a:rPr>
               <a:t>，可有效提高开发效率。</a:t>
-            </a:r>
-          </a:p>
-          <a:p>
-            <a:pPr marL="0" indent="0">
-              <a:buNone/>
-            </a:pPr>
-            <a:r>
-              <a:rPr lang="zh-CN" altLang="en-US" sz="2000" dirty="0">
-                <a:solidFill>
-                  <a:schemeClr val="tx1"/>
-                </a:solidFill>
-              </a:rPr>
-              <a:t>     不同版本的</a:t>
-            </a:r>
-            <a:r>
-              <a:rPr lang="en-US" altLang="zh-CN" sz="2000" dirty="0" err="1">
-                <a:solidFill>
-                  <a:schemeClr val="tx1"/>
-                </a:solidFill>
-              </a:rPr>
-              <a:t>MyEclipse</a:t>
-            </a:r>
-            <a:r>
-              <a:rPr lang="zh-CN" altLang="en-US" sz="2000" dirty="0">
-                <a:solidFill>
-                  <a:schemeClr val="tx1"/>
-                </a:solidFill>
-              </a:rPr>
-              <a:t>均要求与特定版本的</a:t>
-            </a:r>
-            <a:r>
-              <a:rPr lang="en-US" altLang="zh-CN" sz="2000" dirty="0">
-                <a:solidFill>
-                  <a:schemeClr val="tx1"/>
-                </a:solidFill>
-              </a:rPr>
-              <a:t>Eclipse</a:t>
-            </a:r>
-            <a:r>
-              <a:rPr lang="zh-CN" altLang="en-US" sz="2000" dirty="0">
-                <a:solidFill>
-                  <a:schemeClr val="tx1"/>
-                </a:solidFill>
-              </a:rPr>
-              <a:t>配合，在下载</a:t>
-            </a:r>
-            <a:r>
-              <a:rPr lang="en-US" altLang="zh-CN" sz="2000" dirty="0" err="1">
-                <a:solidFill>
-                  <a:schemeClr val="tx1"/>
-                </a:solidFill>
-              </a:rPr>
-              <a:t>MyEclipse</a:t>
-            </a:r>
-            <a:r>
-              <a:rPr lang="zh-CN" altLang="en-US" sz="2000" dirty="0">
-                <a:solidFill>
-                  <a:schemeClr val="tx1"/>
-                </a:solidFill>
-              </a:rPr>
-              <a:t>时能够看到</a:t>
-            </a:r>
-            <a:endParaRPr lang="en-US" altLang="zh-CN" sz="2000" dirty="0">
-              <a:solidFill>
-                <a:schemeClr val="tx1"/>
-              </a:solidFill>
-            </a:endParaRPr>
-          </a:p>
-          <a:p>
-            <a:pPr marL="0" indent="0">
-              <a:buNone/>
-            </a:pPr>
-            <a:r>
-              <a:rPr lang="zh-CN" altLang="en-US" sz="2000" dirty="0"/>
-              <a:t>：</a:t>
             </a:r>
           </a:p>
           <a:p>
@@ -14998,15 +14909,19 @@
           <a:p>
             <a:r>
               <a:rPr lang="en-US" altLang="zh-CN" sz="4800" dirty="0"/>
-              <a:t>6.3 </a:t>
-            </a:r>
-            <a:r>
-              <a:rPr lang="en-US" altLang="zh-CN" sz="4800" dirty="0" err="1"/>
-              <a:t>MyEclipse</a:t>
+              <a:t>6.4 Web</a:t>
             </a:r>
             <a:r>
               <a:rPr lang="zh-CN" altLang="en-US" sz="4800" dirty="0"/>
-              <a:t>的安装及配置</a:t>
+              <a:t>应用和</a:t>
+            </a:r>
+            <a:r>
+              <a:rPr lang="en-US" altLang="zh-CN" sz="4800" dirty="0"/>
+              <a:t>web.xml</a:t>
+            </a:r>
+            <a:r>
+              <a:rPr lang="zh-CN" altLang="en-US" sz="4800" dirty="0"/>
+              <a:t>文件</a:t>
             </a:r>
           </a:p>
         </p:txBody>
@@ -15024,59 +14939,121 @@
         <p:spPr>
           <a:xfrm>
             <a:off x="457200" y="1200151"/>
-            <a:ext cx="4402832" cy="3394472"/>
+            <a:ext cx="8147248" cy="3394472"/>
           </a:xfrm>
         </p:spPr>
         <p:txBody>
           <a:bodyPr>
-            <a:normAutofit lnSpcReduction="10000"/>
+            <a:normAutofit/>
           </a:bodyPr>
           <a:lstStyle/>
+          <a:p>
+            <a:r>
+              <a:rPr lang="en-US" altLang="zh-CN" b="1" dirty="0">
+                <a:solidFill>
+                  <a:schemeClr val="tx2"/>
+                </a:solidFill>
+                <a:latin typeface="Times New Roman" pitchFamily="18" charset="0"/>
+                <a:cs typeface="Times New Roman" pitchFamily="18" charset="0"/>
+              </a:rPr>
+              <a:t>Web</a:t>
+            </a:r>
+            <a:r>
+              <a:rPr lang="zh-CN" altLang="en-US" b="1" dirty="0">
+                <a:solidFill>
+                  <a:schemeClr val="tx2"/>
+                </a:solidFill>
+                <a:latin typeface="Times New Roman" pitchFamily="18" charset="0"/>
+                <a:cs typeface="Times New Roman" pitchFamily="18" charset="0"/>
+              </a:rPr>
+              <a:t>应用概述</a:t>
+            </a:r>
+          </a:p>
           <a:p>
             <a:pPr marL="0" indent="0">
               <a:buNone/>
             </a:pPr>
             <a:r>
-              <a:rPr lang="en-US" altLang="zh-CN" b="1" dirty="0">
+              <a:rPr lang="en-US" altLang="zh-CN" sz="2200" dirty="0">
                 <a:solidFill>
                   <a:schemeClr val="tx1"/>
                 </a:solidFill>
                 <a:latin typeface="Times New Roman" pitchFamily="18" charset="0"/>
                 <a:cs typeface="Times New Roman" pitchFamily="18" charset="0"/>
               </a:rPr>
-              <a:t>MyEclipse2016</a:t>
-            </a:r>
-            <a:r>
-              <a:rPr lang="zh-CN" altLang="en-US" b="1" dirty="0">
+              <a:t>Web</a:t>
+            </a:r>
+            <a:r>
+              <a:rPr lang="zh-CN" altLang="en-US" sz="2200" dirty="0">
                 <a:solidFill>
                   <a:schemeClr val="tx1"/>
                 </a:solidFill>
                 <a:latin typeface="Times New Roman" pitchFamily="18" charset="0"/>
                 <a:cs typeface="Times New Roman" pitchFamily="18" charset="0"/>
               </a:rPr>
-              <a:t>独立安装包在</a:t>
-            </a:r>
-            <a:r>
-              <a:rPr lang="en-US" altLang="zh-CN" b="1" dirty="0">
+              <a:t>应用（</a:t>
+            </a:r>
+            <a:r>
+              <a:rPr lang="en-US" altLang="zh-CN" sz="2200" dirty="0">
                 <a:solidFill>
                   <a:schemeClr val="tx1"/>
                 </a:solidFill>
                 <a:latin typeface="Times New Roman" pitchFamily="18" charset="0"/>
                 <a:cs typeface="Times New Roman" pitchFamily="18" charset="0"/>
               </a:rPr>
-              <a:t>windows</a:t>
-            </a:r>
-            <a:r>
-              <a:rPr lang="zh-CN" altLang="en-US" b="1" dirty="0">
+              <a:t>Web Application</a:t>
+            </a:r>
+            <a:r>
+              <a:rPr lang="zh-CN" altLang="en-US" sz="2200" dirty="0">
                 <a:solidFill>
                   <a:schemeClr val="tx1"/>
                 </a:solidFill>
                 <a:latin typeface="Times New Roman" pitchFamily="18" charset="0"/>
                 <a:cs typeface="Times New Roman" pitchFamily="18" charset="0"/>
               </a:rPr>
-              <a:t>平台上的安装步骤如下：</a:t>
-            </a:r>
-            <a:endParaRPr lang="en-US" altLang="zh-CN" b="1" dirty="0">
+              <a:t>），所指的既不是一个真正意义上的</a:t>
+            </a:r>
+            <a:r>
+              <a:rPr lang="en-US" altLang="zh-CN" sz="2200" dirty="0">
+                <a:solidFill>
+                  <a:schemeClr val="tx1"/>
+                </a:solidFill>
+                <a:latin typeface="Times New Roman" pitchFamily="18" charset="0"/>
+                <a:cs typeface="Times New Roman" pitchFamily="18" charset="0"/>
+              </a:rPr>
+              <a:t>Web</a:t>
+            </a:r>
+            <a:r>
+              <a:rPr lang="zh-CN" altLang="en-US" sz="2200" dirty="0">
+                <a:solidFill>
+                  <a:schemeClr val="tx1"/>
+                </a:solidFill>
+                <a:latin typeface="Times New Roman" pitchFamily="18" charset="0"/>
+                <a:cs typeface="Times New Roman" pitchFamily="18" charset="0"/>
+              </a:rPr>
+              <a:t>网站，又不是一个传统的应用程序。它是一些</a:t>
+            </a:r>
+            <a:r>
+              <a:rPr lang="en-US" altLang="zh-CN" sz="2200" dirty="0">
+                <a:solidFill>
+                  <a:schemeClr val="tx1"/>
+                </a:solidFill>
+                <a:latin typeface="Times New Roman" pitchFamily="18" charset="0"/>
+                <a:cs typeface="Times New Roman" pitchFamily="18" charset="0"/>
+              </a:rPr>
+              <a:t>Web</a:t>
+            </a:r>
+            <a:r>
+              <a:rPr lang="zh-CN" altLang="en-US" sz="2200" dirty="0">
+                <a:solidFill>
+                  <a:schemeClr val="tx1"/>
+                </a:solidFill>
+                <a:latin typeface="Times New Roman" pitchFamily="18" charset="0"/>
+                <a:cs typeface="Times New Roman" pitchFamily="18" charset="0"/>
+              </a:rPr>
+              <a:t>网页和用来完成某些任务的其他资源的一个集合。</a:t>
+            </a:r>
+            <a:endParaRPr lang="en-US" altLang="zh-CN" sz="2200" dirty="0">
               <a:solidFill>
                 <a:schemeClr val="tx1"/>
               </a:solidFill>
@@ -15088,57 +15065,42 @@
             <a:pPr marL="0" indent="0">
               <a:buNone/>
             </a:pPr>
-            <a:r>
-              <a:rPr lang="zh-CN" altLang="en-US" sz="2000" dirty="0">
+            <a:endParaRPr lang="en-US" altLang="zh-CN" sz="2000" dirty="0"/>
+          </a:p>
+          <a:p>
+            <a:pPr marL="0" indent="0">
+              <a:buNone/>
+            </a:pPr>
+            <a:endParaRPr lang="en-US" altLang="zh-CN" sz="2000" dirty="0"/>
+          </a:p>
+          <a:p>
+            <a:pPr marL="0" indent="0">
+              <a:spcBef>
+                <a:spcPts val="2400"/>
+              </a:spcBef>
+              <a:buNone/>
+            </a:pPr>
+            <a:r>
+              <a:rPr lang="en-US" altLang="zh-CN" sz="2200" dirty="0">
                 <a:solidFill>
                   <a:schemeClr val="tx1"/>
                 </a:solidFill>
                 <a:latin typeface="Times New Roman" pitchFamily="18" charset="0"/>
                 <a:cs typeface="Times New Roman" pitchFamily="18" charset="0"/>
               </a:rPr>
-              <a:t>（</a:t>
-            </a:r>
-            <a:r>
-              <a:rPr lang="en-US" altLang="zh-CN" sz="2000" dirty="0">
+              <a:t>Web</a:t>
+            </a:r>
+            <a:r>
+              <a:rPr lang="zh-CN" altLang="en-US" sz="2200" dirty="0">
                 <a:solidFill>
                   <a:schemeClr val="tx1"/>
                 </a:solidFill>
                 <a:latin typeface="Times New Roman" pitchFamily="18" charset="0"/>
                 <a:cs typeface="Times New Roman" pitchFamily="18" charset="0"/>
               </a:rPr>
-              <a:t>1</a:t>
-            </a:r>
-            <a:r>
-              <a:rPr lang="zh-CN" altLang="en-US" sz="2000" dirty="0">
-                <a:solidFill>
-                  <a:schemeClr val="tx1"/>
-                </a:solidFill>
-                <a:latin typeface="Times New Roman" pitchFamily="18" charset="0"/>
-                <a:cs typeface="Times New Roman" pitchFamily="18" charset="0"/>
-              </a:rPr>
-              <a:t>）双击“</a:t>
-            </a:r>
-            <a:r>
-              <a:rPr lang="en-US" altLang="zh-CN" sz="2000" dirty="0">
-                <a:solidFill>
-                  <a:schemeClr val="tx1"/>
-                </a:solidFill>
-                <a:latin typeface="Times New Roman" pitchFamily="18" charset="0"/>
-                <a:cs typeface="Times New Roman" pitchFamily="18" charset="0"/>
-              </a:rPr>
-              <a:t>myeclipse-2016-ci-7-offline-installer-windows.exe”</a:t>
-            </a:r>
-            <a:r>
-              <a:rPr lang="zh-CN" altLang="en-US" sz="2000" dirty="0">
-                <a:solidFill>
-                  <a:schemeClr val="tx1"/>
-                </a:solidFill>
-                <a:latin typeface="Times New Roman" pitchFamily="18" charset="0"/>
-                <a:cs typeface="Times New Roman" pitchFamily="18" charset="0"/>
-              </a:rPr>
-              <a:t>的图标，如右上图所示。</a:t>
-            </a:r>
-            <a:endParaRPr lang="en-US" altLang="zh-CN" sz="2000" dirty="0">
+              <a:t>应用基本目录结构</a:t>
+            </a:r>
+            <a:endParaRPr lang="en-US" altLang="zh-CN" sz="2200" dirty="0">
               <a:solidFill>
                 <a:schemeClr val="tx1"/>
               </a:solidFill>
@@ -15150,169 +15112,19 @@
             <a:pPr marL="0" indent="0">
               <a:buNone/>
             </a:pPr>
-            <a:endParaRPr lang="en-US" altLang="zh-CN" sz="2000" dirty="0">
-              <a:solidFill>
-                <a:schemeClr val="tx1"/>
-              </a:solidFill>
-              <a:latin typeface="Times New Roman" pitchFamily="18" charset="0"/>
-              <a:cs typeface="Times New Roman" pitchFamily="18" charset="0"/>
-            </a:endParaRPr>
-          </a:p>
-          <a:p>
-            <a:pPr marL="0" indent="0">
-              <a:buNone/>
-            </a:pPr>
-            <a:endParaRPr lang="en-US" altLang="zh-CN" sz="2000" dirty="0">
-              <a:solidFill>
-                <a:schemeClr val="tx1"/>
-              </a:solidFill>
-              <a:latin typeface="Times New Roman" pitchFamily="18" charset="0"/>
-              <a:cs typeface="Times New Roman" pitchFamily="18" charset="0"/>
-            </a:endParaRPr>
-          </a:p>
-          <a:p>
-            <a:pPr marL="0" indent="0">
-              <a:buNone/>
-            </a:pPr>
-            <a:endParaRPr lang="en-US" altLang="zh-CN" sz="2000" dirty="0">
-              <a:solidFill>
-                <a:schemeClr val="tx1"/>
-              </a:solidFill>
-              <a:latin typeface="Times New Roman" pitchFamily="18" charset="0"/>
-              <a:cs typeface="Times New Roman" pitchFamily="18" charset="0"/>
-            </a:endParaRPr>
+            <a:endParaRPr lang="zh-CN" altLang="en-US" sz="2000" dirty="0"/>
           </a:p>
           <a:p>
             <a:pPr marL="0" lvl="0" indent="0">
               <a:buNone/>
             </a:pPr>
-            <a:r>
-              <a:rPr lang="zh-CN" altLang="en-US" sz="2000" dirty="0">
-                <a:solidFill>
-                  <a:schemeClr val="tx1"/>
-                </a:solidFill>
-                <a:latin typeface="Times New Roman" pitchFamily="18" charset="0"/>
-                <a:cs typeface="Times New Roman" pitchFamily="18" charset="0"/>
-              </a:rPr>
-              <a:t>（</a:t>
-            </a:r>
-            <a:r>
-              <a:rPr lang="en-US" altLang="zh-CN" sz="2000" dirty="0">
-                <a:solidFill>
-                  <a:schemeClr val="tx1"/>
-                </a:solidFill>
-                <a:latin typeface="Times New Roman" pitchFamily="18" charset="0"/>
-                <a:cs typeface="Times New Roman" pitchFamily="18" charset="0"/>
-              </a:rPr>
-              <a:t>2</a:t>
-            </a:r>
-            <a:r>
-              <a:rPr lang="zh-CN" altLang="en-US" sz="2000" dirty="0">
-                <a:solidFill>
-                  <a:schemeClr val="tx1"/>
-                </a:solidFill>
-                <a:latin typeface="Times New Roman" pitchFamily="18" charset="0"/>
-                <a:cs typeface="Times New Roman" pitchFamily="18" charset="0"/>
-              </a:rPr>
-              <a:t>）</a:t>
-            </a:r>
-            <a:r>
-              <a:rPr lang="zh-CN" altLang="zh-CN" sz="2000" dirty="0">
-                <a:solidFill>
-                  <a:schemeClr val="tx1"/>
-                </a:solidFill>
-                <a:latin typeface="Times New Roman" pitchFamily="18" charset="0"/>
-                <a:cs typeface="Times New Roman" pitchFamily="18" charset="0"/>
-              </a:rPr>
-              <a:t>单击</a:t>
-            </a:r>
-            <a:r>
-              <a:rPr lang="en-US" altLang="zh-CN" sz="2000" dirty="0">
-                <a:solidFill>
-                  <a:schemeClr val="tx1"/>
-                </a:solidFill>
-                <a:latin typeface="Times New Roman" pitchFamily="18" charset="0"/>
-                <a:cs typeface="Times New Roman" pitchFamily="18" charset="0"/>
-              </a:rPr>
-              <a:t>“Next”</a:t>
-            </a:r>
-            <a:r>
-              <a:rPr lang="zh-CN" altLang="zh-CN" sz="2000" dirty="0">
-                <a:solidFill>
-                  <a:schemeClr val="tx1"/>
-                </a:solidFill>
-                <a:latin typeface="Times New Roman" pitchFamily="18" charset="0"/>
-                <a:cs typeface="Times New Roman" pitchFamily="18" charset="0"/>
-              </a:rPr>
-              <a:t>按钮，进入</a:t>
-            </a:r>
-            <a:r>
-              <a:rPr lang="en-US" altLang="zh-CN" sz="2000" dirty="0">
-                <a:solidFill>
-                  <a:schemeClr val="tx1"/>
-                </a:solidFill>
-                <a:latin typeface="Times New Roman" pitchFamily="18" charset="0"/>
-                <a:cs typeface="Times New Roman" pitchFamily="18" charset="0"/>
-              </a:rPr>
-              <a:t>“</a:t>
-            </a:r>
-            <a:r>
-              <a:rPr lang="zh-CN" altLang="zh-CN" sz="2000" dirty="0">
-                <a:solidFill>
-                  <a:schemeClr val="tx1"/>
-                </a:solidFill>
-                <a:latin typeface="Times New Roman" pitchFamily="18" charset="0"/>
-                <a:cs typeface="Times New Roman" pitchFamily="18" charset="0"/>
-              </a:rPr>
-              <a:t>授权同意</a:t>
-            </a:r>
-            <a:r>
-              <a:rPr lang="en-US" altLang="zh-CN" sz="2000" dirty="0">
-                <a:solidFill>
-                  <a:schemeClr val="tx1"/>
-                </a:solidFill>
-                <a:latin typeface="Times New Roman" pitchFamily="18" charset="0"/>
-                <a:cs typeface="Times New Roman" pitchFamily="18" charset="0"/>
-              </a:rPr>
-              <a:t>”</a:t>
-            </a:r>
-            <a:r>
-              <a:rPr lang="zh-CN" altLang="zh-CN" sz="2000" dirty="0">
-                <a:solidFill>
-                  <a:schemeClr val="tx1"/>
-                </a:solidFill>
-                <a:latin typeface="Times New Roman" pitchFamily="18" charset="0"/>
-                <a:cs typeface="Times New Roman" pitchFamily="18" charset="0"/>
-              </a:rPr>
-              <a:t>界面，如</a:t>
-            </a:r>
-            <a:r>
-              <a:rPr lang="zh-CN" altLang="en-US" sz="2000" dirty="0">
-                <a:solidFill>
-                  <a:schemeClr val="tx1"/>
-                </a:solidFill>
-                <a:latin typeface="Times New Roman" pitchFamily="18" charset="0"/>
-                <a:cs typeface="Times New Roman" pitchFamily="18" charset="0"/>
-              </a:rPr>
-              <a:t>右下</a:t>
-            </a:r>
-            <a:r>
-              <a:rPr lang="zh-CN" altLang="zh-CN" sz="2000" dirty="0">
-                <a:solidFill>
-                  <a:schemeClr val="tx1"/>
-                </a:solidFill>
-                <a:latin typeface="Times New Roman" pitchFamily="18" charset="0"/>
-                <a:cs typeface="Times New Roman" pitchFamily="18" charset="0"/>
-              </a:rPr>
-              <a:t>图所示</a:t>
-            </a:r>
-            <a:r>
-              <a:rPr lang="zh-CN" altLang="zh-CN" sz="2000" dirty="0">
-                <a:latin typeface="Times New Roman" pitchFamily="18" charset="0"/>
-                <a:cs typeface="Times New Roman" pitchFamily="18" charset="0"/>
-              </a:rPr>
-              <a:t>。</a:t>
-            </a:r>
+            <a:endParaRPr lang="en-US" altLang="zh-CN" sz="2000" dirty="0"/>
+          </a:p>
+          <a:p>
+            <a:pPr marL="0" lvl="0" indent="0">
+              <a:buNone/>
+            </a:pPr>
+            <a:endParaRPr lang="en-US" altLang="zh-CN" sz="2000" dirty="0"/>
           </a:p>
           <a:p>
             <a:pPr marL="0" indent="0">
@@ -15320,17 +15132,11 @@
             </a:pPr>
             <a:endParaRPr lang="zh-CN" altLang="en-US" sz="2000" dirty="0"/>
           </a:p>
-          <a:p>
-            <a:pPr marL="0" indent="0">
-              <a:buNone/>
-            </a:pPr>
-            <a:endParaRPr lang="zh-CN" altLang="en-US" sz="2000" dirty="0"/>
-          </a:p>
         </p:txBody>
       </p:sp>
       <p:pic>
         <p:nvPicPr>
-          <p:cNvPr id="25602" name="图片 11" descr="001"/>
+          <p:cNvPr id="31746" name="对象 153"/>
           <p:cNvPicPr>
             <a:picLocks noChangeAspect="1" noChangeArrowheads="1"/>
           </p:cNvPicPr>
@@ -15351,8 +15157,8 @@
         </p:blipFill>
         <p:spPr bwMode="auto">
           <a:xfrm>
-            <a:off x="5220073" y="1059582"/>
-            <a:ext cx="2520280" cy="1792472"/>
+            <a:off x="3203848" y="2571750"/>
+            <a:ext cx="2880320" cy="2272420"/>
           </a:xfrm>
           <a:prstGeom prst="rect">
             <a:avLst/>
@@ -15382,64 +15188,10 @@
           </a:extLst>
         </p:spPr>
       </p:pic>
-      <p:pic>
-        <p:nvPicPr>
-          <p:cNvPr id="25603" name="图片 10" descr="002"/>
-          <p:cNvPicPr>
-            <a:picLocks noChangeAspect="1" noChangeArrowheads="1"/>
-          </p:cNvPicPr>
-          <p:nvPr/>
-        </p:nvPicPr>
-        <p:blipFill>
-          <a:blip r:embed="rId3">
-            <a:extLst>
-              <a:ext uri="{28A0092B-C50C-407E-A947-70E740481C1C}">
-                <a14:useLocalDpi xmlns:a14="http://schemas.microsoft.com/office/drawing/2010/main" val="0"/>
-              </a:ext>
-            </a:extLst>
-          </a:blip>
-          <a:srcRect/>
-          <a:stretch>
-            <a:fillRect/>
-          </a:stretch>
-        </p:blipFill>
-        <p:spPr bwMode="auto">
-          <a:xfrm>
-            <a:off x="5220074" y="3075806"/>
-            <a:ext cx="2520280" cy="1708818"/>
-          </a:xfrm>
-          <a:prstGeom prst="rect">
-            <a:avLst/>
-          </a:prstGeom>
-          <a:noFill/>
-          <a:ln>
-            <a:noFill/>
-          </a:ln>
-          <a:extLst>
-            <a:ext uri="{909E8E84-426E-40DD-AFC4-6F175D3DCCD1}">
-              <a14:hiddenFill xmlns:a14="http://schemas.microsoft.com/office/drawing/2010/main">
-                <a:solidFill>
-                  <a:srgbClr val="FFFFFF"/>
-                </a:solidFill>
-              </a14:hiddenFill>
-            </a:ext>
-            <a:ext uri="{91240B29-F687-4F45-9708-019B960494DF}">
-              <a14:hiddenLine xmlns:a14="http://schemas.microsoft.com/office/drawing/2010/main" w="9525">
-                <a:solidFill>
-                  <a:srgbClr val="000000"/>
-                </a:solidFill>
-                <a:miter lim="800000"/>
-                <a:headEnd/>
-                <a:tailEnd/>
-              </a14:hiddenLine>
-            </a:ext>
-          </a:extLst>
-        </p:spPr>
-      </p:pic>
     </p:spTree>
     <p:extLst>
       <p:ext uri="{BB962C8B-B14F-4D97-AF65-F5344CB8AC3E}">
-        <p14:creationId xmlns:p14="http://schemas.microsoft.com/office/powerpoint/2010/main" val="1862925162"/>
+        <p14:creationId xmlns:p14="http://schemas.microsoft.com/office/powerpoint/2010/main" val="184643345"/>
       </p:ext>
     </p:extLst>
   </p:cSld>
@@ -15483,15 +15235,19 @@
           <a:p>
             <a:r>
               <a:rPr lang="en-US" altLang="zh-CN" sz="4800" dirty="0"/>
-              <a:t>6.3 </a:t>
-            </a:r>
-            <a:r>
-              <a:rPr lang="en-US" altLang="zh-CN" sz="4800" dirty="0" err="1"/>
-              <a:t>MyEclipse</a:t>
+              <a:t>6.4 Web</a:t>
             </a:r>
             <a:r>
               <a:rPr lang="zh-CN" altLang="en-US" sz="4800" dirty="0"/>
-              <a:t>的安装及配置</a:t>
+              <a:t>应用和</a:t>
+            </a:r>
+            <a:r>
+              <a:rPr lang="en-US" altLang="zh-CN" sz="4800" dirty="0"/>
+              <a:t>web.xml</a:t>
+            </a:r>
+            <a:r>
+              <a:rPr lang="zh-CN" altLang="en-US" sz="4800" dirty="0"/>
+              <a:t>文件</a:t>
             </a:r>
           </a:p>
         </p:txBody>
@@ -15509,7 +15265,7 @@
         <p:spPr>
           <a:xfrm>
             <a:off x="457200" y="1200151"/>
-            <a:ext cx="4402832" cy="3394472"/>
+            <a:ext cx="8147248" cy="3394472"/>
           </a:xfrm>
         </p:spPr>
         <p:txBody>
@@ -15518,6 +15274,45 @@
           </a:bodyPr>
           <a:lstStyle/>
           <a:p>
+            <a:r>
+              <a:rPr lang="zh-CN" altLang="en-US" sz="2500" b="1" dirty="0">
+                <a:solidFill>
+                  <a:schemeClr val="tx2"/>
+                </a:solidFill>
+                <a:latin typeface="Times New Roman" pitchFamily="18" charset="0"/>
+                <a:cs typeface="Times New Roman" pitchFamily="18" charset="0"/>
+              </a:rPr>
+              <a:t>部署</a:t>
+            </a:r>
+            <a:r>
+              <a:rPr lang="en-US" altLang="zh-CN" sz="2500" b="1" dirty="0">
+                <a:solidFill>
+                  <a:schemeClr val="tx2"/>
+                </a:solidFill>
+                <a:latin typeface="Times New Roman" pitchFamily="18" charset="0"/>
+                <a:cs typeface="Times New Roman" pitchFamily="18" charset="0"/>
+              </a:rPr>
+              <a:t>Web</a:t>
+            </a:r>
+            <a:r>
+              <a:rPr lang="zh-CN" altLang="en-US" sz="2500" b="1" dirty="0">
+                <a:solidFill>
+                  <a:schemeClr val="tx2"/>
+                </a:solidFill>
+                <a:latin typeface="Times New Roman" pitchFamily="18" charset="0"/>
+                <a:cs typeface="Times New Roman" pitchFamily="18" charset="0"/>
+              </a:rPr>
+              <a:t>应用</a:t>
+            </a:r>
+            <a:endParaRPr lang="en-US" altLang="zh-CN" sz="2500" b="1" dirty="0">
+              <a:solidFill>
+                <a:schemeClr val="tx2"/>
+              </a:solidFill>
+              <a:latin typeface="Times New Roman" pitchFamily="18" charset="0"/>
+              <a:cs typeface="Times New Roman" pitchFamily="18" charset="0"/>
+            </a:endParaRPr>
+          </a:p>
+          <a:p>
             <a:pPr marL="0" indent="0">
               <a:buNone/>
             </a:pPr>
@@ -15529,7 +15324,7 @@
                 <a:latin typeface="Times New Roman" pitchFamily="18" charset="0"/>
                 <a:cs typeface="Times New Roman" pitchFamily="18" charset="0"/>
               </a:rPr>
-              <a:t>（</a:t>
+              <a:t>在</a:t>
             </a:r>
             <a:r>
               <a:rPr lang="en-US" altLang="zh-CN" sz="2200" dirty="0">
@@ -15539,7 +15334,7 @@
                 <a:latin typeface="Times New Roman" pitchFamily="18" charset="0"/>
                 <a:cs typeface="Times New Roman" pitchFamily="18" charset="0"/>
               </a:rPr>
-              <a:t>3</a:t>
+              <a:t>Tomcat</a:t>
             </a:r>
             <a:r>
               <a:rPr lang="zh-CN" altLang="en-US" sz="2200" dirty="0">
@@ -15549,7 +15344,7 @@
                 <a:latin typeface="Times New Roman" pitchFamily="18" charset="0"/>
                 <a:cs typeface="Times New Roman" pitchFamily="18" charset="0"/>
               </a:rPr>
-              <a:t>）勾选复选框，单击“</a:t>
+              <a:t>中部署</a:t>
             </a:r>
             <a:r>
               <a:rPr lang="en-US" altLang="zh-CN" sz="2200" dirty="0">
@@ -15559,7 +15354,7 @@
                 <a:latin typeface="Times New Roman" pitchFamily="18" charset="0"/>
                 <a:cs typeface="Times New Roman" pitchFamily="18" charset="0"/>
               </a:rPr>
-              <a:t>Next”</a:t>
+              <a:t>Web</a:t>
             </a:r>
             <a:r>
               <a:rPr lang="zh-CN" altLang="en-US" sz="2200" dirty="0">
@@ -15569,7 +15364,52 @@
                 <a:latin typeface="Times New Roman" pitchFamily="18" charset="0"/>
                 <a:cs typeface="Times New Roman" pitchFamily="18" charset="0"/>
               </a:rPr>
-              <a:t>按钮，进入选择安装路径窗口，如右上图所示。</a:t>
+              <a:t>应用的方式主要有以下几种：</a:t>
+            </a:r>
+          </a:p>
+          <a:p>
+            <a:pPr marL="0" indent="0">
+              <a:buNone/>
+            </a:pPr>
+            <a:r>
+              <a:rPr lang="en-US" altLang="zh-CN" sz="2200" dirty="0">
+                <a:solidFill>
+                  <a:schemeClr val="tx1"/>
+                </a:solidFill>
+                <a:latin typeface="Times New Roman" pitchFamily="18" charset="0"/>
+                <a:cs typeface="Times New Roman" pitchFamily="18" charset="0"/>
+              </a:rPr>
+              <a:t>1.</a:t>
+            </a:r>
+            <a:r>
+              <a:rPr lang="zh-CN" altLang="en-US" sz="2200" dirty="0">
+                <a:solidFill>
+                  <a:schemeClr val="tx1"/>
+                </a:solidFill>
+                <a:latin typeface="Times New Roman" pitchFamily="18" charset="0"/>
+                <a:cs typeface="Times New Roman" pitchFamily="18" charset="0"/>
+              </a:rPr>
+              <a:t>利用</a:t>
+            </a:r>
+            <a:r>
+              <a:rPr lang="en-US" altLang="zh-CN" sz="2200" dirty="0">
+                <a:solidFill>
+                  <a:schemeClr val="tx1"/>
+                </a:solidFill>
+                <a:latin typeface="Times New Roman" pitchFamily="18" charset="0"/>
+                <a:cs typeface="Times New Roman" pitchFamily="18" charset="0"/>
+              </a:rPr>
+              <a:t>Tomcat</a:t>
+            </a:r>
+            <a:r>
+              <a:rPr lang="zh-CN" altLang="en-US" sz="2200" dirty="0">
+                <a:solidFill>
+                  <a:schemeClr val="tx1"/>
+                </a:solidFill>
+                <a:latin typeface="Times New Roman" pitchFamily="18" charset="0"/>
+                <a:cs typeface="Times New Roman" pitchFamily="18" charset="0"/>
+              </a:rPr>
+              <a:t>的自动部署</a:t>
             </a:r>
             <a:endParaRPr lang="en-US" altLang="zh-CN" sz="2200" dirty="0">
               <a:solidFill>
@@ -15583,6 +15423,26 @@
             <a:pPr marL="0" indent="0">
               <a:buNone/>
             </a:pPr>
+            <a:r>
+              <a:rPr lang="en-US" altLang="zh-CN" sz="2200" dirty="0">
+                <a:solidFill>
+                  <a:schemeClr val="tx1"/>
+                </a:solidFill>
+                <a:latin typeface="Times New Roman" pitchFamily="18" charset="0"/>
+                <a:cs typeface="Times New Roman" pitchFamily="18" charset="0"/>
+              </a:rPr>
+              <a:t>2.</a:t>
+            </a:r>
+            <a:r>
+              <a:rPr lang="zh-CN" altLang="en-US" sz="2200" dirty="0">
+                <a:solidFill>
+                  <a:schemeClr val="tx1"/>
+                </a:solidFill>
+                <a:latin typeface="Times New Roman" pitchFamily="18" charset="0"/>
+                <a:cs typeface="Times New Roman" pitchFamily="18" charset="0"/>
+              </a:rPr>
+              <a:t>利用控制台的部署</a:t>
+            </a:r>
             <a:endParaRPr lang="en-US" altLang="zh-CN" sz="2200" dirty="0">
               <a:solidFill>
                 <a:schemeClr val="tx1"/>
@@ -15595,6 +15455,46 @@
             <a:pPr marL="0" indent="0">
               <a:buNone/>
             </a:pPr>
+            <a:r>
+              <a:rPr lang="en-US" altLang="zh-CN" sz="2200" dirty="0">
+                <a:solidFill>
+                  <a:schemeClr val="tx1"/>
+                </a:solidFill>
+                <a:latin typeface="Times New Roman" pitchFamily="18" charset="0"/>
+                <a:cs typeface="Times New Roman" pitchFamily="18" charset="0"/>
+              </a:rPr>
+              <a:t>3.</a:t>
+            </a:r>
+            <a:r>
+              <a:rPr lang="zh-CN" altLang="en-US" sz="2200" dirty="0">
+                <a:solidFill>
+                  <a:schemeClr val="tx1"/>
+                </a:solidFill>
+                <a:latin typeface="Times New Roman" pitchFamily="18" charset="0"/>
+                <a:cs typeface="Times New Roman" pitchFamily="18" charset="0"/>
+              </a:rPr>
+              <a:t>增加自定义的</a:t>
+            </a:r>
+            <a:r>
+              <a:rPr lang="en-US" altLang="zh-CN" sz="2200" dirty="0">
+                <a:solidFill>
+                  <a:schemeClr val="tx1"/>
+                </a:solidFill>
+                <a:latin typeface="Times New Roman" pitchFamily="18" charset="0"/>
+                <a:cs typeface="Times New Roman" pitchFamily="18" charset="0"/>
+              </a:rPr>
+              <a:t>Web</a:t>
+            </a:r>
+            <a:r>
+              <a:rPr lang="zh-CN" altLang="en-US" sz="2200" dirty="0">
+                <a:solidFill>
+                  <a:schemeClr val="tx1"/>
+                </a:solidFill>
+                <a:latin typeface="Times New Roman" pitchFamily="18" charset="0"/>
+                <a:cs typeface="Times New Roman" pitchFamily="18" charset="0"/>
+              </a:rPr>
+              <a:t>部署文件</a:t>
+            </a:r>
             <a:endParaRPr lang="en-US" altLang="zh-CN" sz="2200" dirty="0">
               <a:solidFill>
                 <a:schemeClr val="tx1"/>
@@ -15604,108 +15504,81 @@
             </a:endParaRPr>
           </a:p>
           <a:p>
+            <a:pPr marL="0" indent="0">
+              <a:buNone/>
+            </a:pPr>
+            <a:r>
+              <a:rPr lang="en-US" altLang="zh-CN" sz="2200" dirty="0">
+                <a:solidFill>
+                  <a:schemeClr val="tx1"/>
+                </a:solidFill>
+                <a:latin typeface="Times New Roman" pitchFamily="18" charset="0"/>
+                <a:cs typeface="Times New Roman" pitchFamily="18" charset="0"/>
+              </a:rPr>
+              <a:t>4.</a:t>
+            </a:r>
+            <a:r>
+              <a:rPr lang="zh-CN" altLang="en-US" sz="2200" dirty="0">
+                <a:solidFill>
+                  <a:schemeClr val="tx1"/>
+                </a:solidFill>
+                <a:latin typeface="Times New Roman" pitchFamily="18" charset="0"/>
+                <a:cs typeface="Times New Roman" pitchFamily="18" charset="0"/>
+              </a:rPr>
+              <a:t>修改</a:t>
+            </a:r>
+            <a:r>
+              <a:rPr lang="en-US" altLang="zh-CN" sz="2200" dirty="0">
+                <a:solidFill>
+                  <a:schemeClr val="tx1"/>
+                </a:solidFill>
+                <a:latin typeface="Times New Roman" pitchFamily="18" charset="0"/>
+                <a:cs typeface="Times New Roman" pitchFamily="18" charset="0"/>
+              </a:rPr>
+              <a:t>server.xml</a:t>
+            </a:r>
+            <a:r>
+              <a:rPr lang="zh-CN" altLang="en-US" sz="2200" dirty="0">
+                <a:solidFill>
+                  <a:schemeClr val="tx1"/>
+                </a:solidFill>
+                <a:latin typeface="Times New Roman" pitchFamily="18" charset="0"/>
+                <a:cs typeface="Times New Roman" pitchFamily="18" charset="0"/>
+              </a:rPr>
+              <a:t>文件部署</a:t>
+            </a:r>
+            <a:r>
+              <a:rPr lang="en-US" altLang="zh-CN" sz="2200" dirty="0">
+                <a:solidFill>
+                  <a:schemeClr val="tx1"/>
+                </a:solidFill>
+                <a:latin typeface="Times New Roman" pitchFamily="18" charset="0"/>
+                <a:cs typeface="Times New Roman" pitchFamily="18" charset="0"/>
+              </a:rPr>
+              <a:t>Web</a:t>
+            </a:r>
+            <a:r>
+              <a:rPr lang="zh-CN" altLang="en-US" sz="2200" dirty="0">
+                <a:solidFill>
+                  <a:schemeClr val="tx1"/>
+                </a:solidFill>
+                <a:latin typeface="Times New Roman" pitchFamily="18" charset="0"/>
+                <a:cs typeface="Times New Roman" pitchFamily="18" charset="0"/>
+              </a:rPr>
+              <a:t>应用</a:t>
+            </a:r>
+          </a:p>
+          <a:p>
+            <a:pPr marL="0" indent="0">
+              <a:buNone/>
+            </a:pPr>
+            <a:endParaRPr lang="en-US" altLang="zh-CN" sz="2000" dirty="0"/>
+          </a:p>
+          <a:p>
             <a:pPr marL="0" lvl="0" indent="0">
               <a:buNone/>
             </a:pPr>
-            <a:endParaRPr lang="en-US" altLang="zh-CN" sz="2200" dirty="0">
-              <a:solidFill>
-                <a:schemeClr val="tx1"/>
-              </a:solidFill>
-              <a:latin typeface="Times New Roman" pitchFamily="18" charset="0"/>
-              <a:cs typeface="Times New Roman" pitchFamily="18" charset="0"/>
-            </a:endParaRPr>
-          </a:p>
-          <a:p>
-            <a:pPr marL="0" lvl="0" indent="0">
-              <a:buNone/>
-            </a:pPr>
-            <a:r>
-              <a:rPr lang="zh-CN" altLang="en-US" sz="2200" dirty="0">
-                <a:solidFill>
-                  <a:schemeClr val="tx1"/>
-                </a:solidFill>
-                <a:latin typeface="Times New Roman" pitchFamily="18" charset="0"/>
-                <a:cs typeface="Times New Roman" pitchFamily="18" charset="0"/>
-              </a:rPr>
-              <a:t>（</a:t>
-            </a:r>
-            <a:r>
-              <a:rPr lang="en-US" altLang="zh-CN" sz="2200" dirty="0">
-                <a:solidFill>
-                  <a:schemeClr val="tx1"/>
-                </a:solidFill>
-                <a:latin typeface="Times New Roman" pitchFamily="18" charset="0"/>
-                <a:cs typeface="Times New Roman" pitchFamily="18" charset="0"/>
-              </a:rPr>
-              <a:t>4</a:t>
-            </a:r>
-            <a:r>
-              <a:rPr lang="zh-CN" altLang="en-US" sz="2200" dirty="0">
-                <a:solidFill>
-                  <a:schemeClr val="tx1"/>
-                </a:solidFill>
-                <a:latin typeface="Times New Roman" pitchFamily="18" charset="0"/>
-                <a:cs typeface="Times New Roman" pitchFamily="18" charset="0"/>
-              </a:rPr>
-              <a:t>）</a:t>
-            </a:r>
-            <a:r>
-              <a:rPr lang="zh-CN" altLang="zh-CN" sz="2200" dirty="0">
-                <a:solidFill>
-                  <a:schemeClr val="tx1"/>
-                </a:solidFill>
-                <a:latin typeface="Times New Roman" pitchFamily="18" charset="0"/>
-                <a:cs typeface="Times New Roman" pitchFamily="18" charset="0"/>
-              </a:rPr>
-              <a:t>设置好安装路径后，单击</a:t>
-            </a:r>
-            <a:r>
-              <a:rPr lang="en-US" altLang="zh-CN" sz="2200" dirty="0">
-                <a:solidFill>
-                  <a:schemeClr val="tx1"/>
-                </a:solidFill>
-                <a:latin typeface="Times New Roman" pitchFamily="18" charset="0"/>
-                <a:cs typeface="Times New Roman" pitchFamily="18" charset="0"/>
-              </a:rPr>
-              <a:t>“Next”</a:t>
-            </a:r>
-            <a:r>
-              <a:rPr lang="zh-CN" altLang="zh-CN" sz="2200" dirty="0">
-                <a:solidFill>
-                  <a:schemeClr val="tx1"/>
-                </a:solidFill>
-                <a:latin typeface="Times New Roman" pitchFamily="18" charset="0"/>
-                <a:cs typeface="Times New Roman" pitchFamily="18" charset="0"/>
-              </a:rPr>
-              <a:t>按钮，进入选择安装内容窗口，如</a:t>
-            </a:r>
-            <a:r>
-              <a:rPr lang="zh-CN" altLang="en-US" sz="2200" dirty="0">
-                <a:solidFill>
-                  <a:schemeClr val="tx1"/>
-                </a:solidFill>
-                <a:latin typeface="Times New Roman" pitchFamily="18" charset="0"/>
-                <a:cs typeface="Times New Roman" pitchFamily="18" charset="0"/>
-              </a:rPr>
-              <a:t>右下</a:t>
-            </a:r>
-            <a:r>
-              <a:rPr lang="zh-CN" altLang="zh-CN" sz="2200" dirty="0">
-                <a:solidFill>
-                  <a:schemeClr val="tx1"/>
-                </a:solidFill>
-                <a:latin typeface="Times New Roman" pitchFamily="18" charset="0"/>
-                <a:cs typeface="Times New Roman" pitchFamily="18" charset="0"/>
-              </a:rPr>
-              <a:t>图所示。</a:t>
-            </a:r>
-            <a:endParaRPr lang="zh-CN" altLang="en-US" sz="2200" dirty="0">
-              <a:solidFill>
-                <a:schemeClr val="tx1"/>
-              </a:solidFill>
-              <a:latin typeface="Times New Roman" pitchFamily="18" charset="0"/>
-              <a:cs typeface="Times New Roman" pitchFamily="18" charset="0"/>
-            </a:endParaRPr>
+            <a:endParaRPr lang="en-US" altLang="zh-CN" sz="2000" dirty="0"/>
           </a:p>
           <a:p>
             <a:pPr marL="0" indent="0">
@@ -15715,118 +15588,10 @@
           </a:p>
         </p:txBody>
       </p:sp>
-      <p:pic>
-        <p:nvPicPr>
-          <p:cNvPr id="26626" name="图片 9" descr="003"/>
-          <p:cNvPicPr>
-            <a:picLocks noChangeAspect="1" noChangeArrowheads="1"/>
-          </p:cNvPicPr>
-          <p:nvPr/>
-        </p:nvPicPr>
-        <p:blipFill>
-          <a:blip r:embed="rId2">
-            <a:extLst>
-              <a:ext uri="{28A0092B-C50C-407E-A947-70E740481C1C}">
-                <a14:useLocalDpi xmlns:a14="http://schemas.microsoft.com/office/drawing/2010/main" val="0"/>
-              </a:ext>
-            </a:extLst>
-          </a:blip>
-          <a:srcRect/>
-          <a:stretch>
-            <a:fillRect/>
-          </a:stretch>
-        </p:blipFill>
-        <p:spPr bwMode="auto">
-          <a:xfrm>
-            <a:off x="5004048" y="1131590"/>
-            <a:ext cx="2664296" cy="1728192"/>
-          </a:xfrm>
-          <a:prstGeom prst="rect">
-            <a:avLst/>
-          </a:prstGeom>
-          <a:noFill/>
-          <a:ln>
-            <a:noFill/>
-          </a:ln>
-          <a:extLst>
-            <a:ext uri="{909E8E84-426E-40DD-AFC4-6F175D3DCCD1}">
-              <a14:hiddenFill xmlns:a14="http://schemas.microsoft.com/office/drawing/2010/main">
-                <a:solidFill>
-                  <a:srgbClr val="FFFFFF"/>
-                </a:solidFill>
-              </a14:hiddenFill>
-            </a:ext>
-            <a:ext uri="{91240B29-F687-4F45-9708-019B960494DF}">
-              <a14:hiddenLine xmlns:a14="http://schemas.microsoft.com/office/drawing/2010/main" w="9525">
-                <a:solidFill>
-                  <a:srgbClr val="000000"/>
-                </a:solidFill>
-                <a:miter lim="800000"/>
-                <a:headEnd/>
-                <a:tailEnd/>
-              </a14:hiddenLine>
-            </a:ext>
-          </a:extLst>
-        </p:spPr>
-      </p:pic>
-      <p:pic>
-        <p:nvPicPr>
-          <p:cNvPr id="26627" name="图片 8" descr="004"/>
-          <p:cNvPicPr>
-            <a:picLocks noChangeAspect="1" noChangeArrowheads="1"/>
-          </p:cNvPicPr>
-          <p:nvPr/>
-        </p:nvPicPr>
-        <p:blipFill>
-          <a:blip r:embed="rId3">
-            <a:extLst>
-              <a:ext uri="{28A0092B-C50C-407E-A947-70E740481C1C}">
-                <a14:useLocalDpi xmlns:a14="http://schemas.microsoft.com/office/drawing/2010/main" val="0"/>
-              </a:ext>
-            </a:extLst>
-          </a:blip>
-          <a:srcRect/>
-          <a:stretch>
-            <a:fillRect/>
-          </a:stretch>
-        </p:blipFill>
-        <p:spPr bwMode="auto">
-          <a:xfrm>
-            <a:off x="5004048" y="3003798"/>
-            <a:ext cx="2664296" cy="2026543"/>
-          </a:xfrm>
-          <a:prstGeom prst="rect">
-            <a:avLst/>
-          </a:prstGeom>
-          <a:noFill/>
-          <a:ln>
-            <a:noFill/>
-          </a:ln>
-          <a:extLst>
-            <a:ext uri="{909E8E84-426E-40DD-AFC4-6F175D3DCCD1}">
-              <a14:hiddenFill xmlns:a14="http://schemas.microsoft.com/office/drawing/2010/main">
-                <a:solidFill>
-                  <a:srgbClr val="FFFFFF"/>
-                </a:solidFill>
-              </a14:hiddenFill>
-            </a:ext>
-            <a:ext uri="{91240B29-F687-4F45-9708-019B960494DF}">
-              <a14:hiddenLine xmlns:a14="http://schemas.microsoft.com/office/drawing/2010/main" w="9525">
-                <a:solidFill>
-                  <a:srgbClr val="000000"/>
-                </a:solidFill>
-                <a:miter lim="800000"/>
-                <a:headEnd/>
-                <a:tailEnd/>
-              </a14:hiddenLine>
-            </a:ext>
-          </a:extLst>
-        </p:spPr>
-      </p:pic>
     </p:spTree>
     <p:extLst>
       <p:ext uri="{BB962C8B-B14F-4D97-AF65-F5344CB8AC3E}">
-        <p14:creationId xmlns:p14="http://schemas.microsoft.com/office/powerpoint/2010/main" val="2129312229"/>
+        <p14:creationId xmlns:p14="http://schemas.microsoft.com/office/powerpoint/2010/main" val="3867965682"/>
       </p:ext>
     </p:extLst>
   </p:cSld>
@@ -15870,1560 +15635,44 @@
           <a:p>
             <a:r>
               <a:rPr lang="en-US" altLang="zh-CN" sz="4800" dirty="0"/>
-              <a:t>6.3 </a:t>
-            </a:r>
-            <a:r>
-              <a:rPr lang="en-US" altLang="zh-CN" sz="4800" dirty="0" err="1"/>
-              <a:t>MyEclipse</a:t>
+              <a:t>6.5 </a:t>
             </a:r>
             <a:r>
               <a:rPr lang="zh-CN" altLang="en-US" sz="4800" dirty="0"/>
-              <a:t>的安装及配置</a:t>
+              <a:t>思考题</a:t>
             </a:r>
           </a:p>
         </p:txBody>
       </p:sp>
-      <p:sp>
-        <p:nvSpPr>
-          <p:cNvPr id="3" name="内容占位符 2"/>
-          <p:cNvSpPr>
-            <a:spLocks noGrp="1"/>
-          </p:cNvSpPr>
+      <p:graphicFrame>
+        <p:nvGraphicFramePr>
+          <p:cNvPr id="5" name="内容占位符 4"/>
+          <p:cNvGraphicFramePr>
+            <a:graphicFrameLocks noGrp="1"/>
+          </p:cNvGraphicFramePr>
           <p:nvPr>
             <p:ph idx="1"/>
+            <p:extLst>
+              <p:ext uri="{D42A27DB-BD31-4B8C-83A1-F6EECF244321}">
+                <p14:modId xmlns:p14="http://schemas.microsoft.com/office/powerpoint/2010/main" val="1690522573"/>
+              </p:ext>
+            </p:extLst>
           </p:nvPr>
-        </p:nvSpPr>
-        <p:spPr>
-          <a:xfrm>
-            <a:off x="457200" y="1200151"/>
-            <a:ext cx="4402832" cy="3394472"/>
-          </a:xfrm>
-        </p:spPr>
-        <p:txBody>
-          <a:bodyPr>
-            <a:normAutofit/>
-          </a:bodyPr>
-          <a:lstStyle/>
-          <a:p>
-            <a:pPr marL="0" indent="0">
-              <a:buNone/>
-            </a:pPr>
-            <a:r>
-              <a:rPr lang="zh-CN" altLang="en-US" sz="2200" dirty="0">
-                <a:solidFill>
-                  <a:schemeClr val="tx1"/>
-                </a:solidFill>
-                <a:latin typeface="Times New Roman" pitchFamily="18" charset="0"/>
-                <a:cs typeface="Times New Roman" pitchFamily="18" charset="0"/>
-              </a:rPr>
-              <a:t>（</a:t>
-            </a:r>
-            <a:r>
-              <a:rPr lang="en-US" altLang="zh-CN" sz="2200" dirty="0">
-                <a:solidFill>
-                  <a:schemeClr val="tx1"/>
-                </a:solidFill>
-                <a:latin typeface="Times New Roman" pitchFamily="18" charset="0"/>
-                <a:cs typeface="Times New Roman" pitchFamily="18" charset="0"/>
-              </a:rPr>
-              <a:t>5</a:t>
-            </a:r>
-            <a:r>
-              <a:rPr lang="zh-CN" altLang="en-US" sz="2200" dirty="0">
-                <a:solidFill>
-                  <a:schemeClr val="tx1"/>
-                </a:solidFill>
-                <a:latin typeface="Times New Roman" pitchFamily="18" charset="0"/>
-                <a:cs typeface="Times New Roman" pitchFamily="18" charset="0"/>
-              </a:rPr>
-              <a:t>）</a:t>
-            </a:r>
-            <a:r>
-              <a:rPr lang="zh-CN" altLang="zh-CN" sz="2200" dirty="0">
-                <a:solidFill>
-                  <a:schemeClr val="tx1"/>
-                </a:solidFill>
-                <a:latin typeface="Times New Roman" pitchFamily="18" charset="0"/>
-                <a:cs typeface="Times New Roman" pitchFamily="18" charset="0"/>
-              </a:rPr>
-              <a:t>根据需求选择好安装内容后，单击</a:t>
-            </a:r>
-            <a:r>
-              <a:rPr lang="en-US" altLang="zh-CN" sz="2200" dirty="0">
-                <a:solidFill>
-                  <a:schemeClr val="tx1"/>
-                </a:solidFill>
-                <a:latin typeface="Times New Roman" pitchFamily="18" charset="0"/>
-                <a:cs typeface="Times New Roman" pitchFamily="18" charset="0"/>
-              </a:rPr>
-              <a:t>“Next”</a:t>
-            </a:r>
-            <a:r>
-              <a:rPr lang="zh-CN" altLang="zh-CN" sz="2200" dirty="0">
-                <a:solidFill>
-                  <a:schemeClr val="tx1"/>
-                </a:solidFill>
-                <a:latin typeface="Times New Roman" pitchFamily="18" charset="0"/>
-                <a:cs typeface="Times New Roman" pitchFamily="18" charset="0"/>
-              </a:rPr>
-              <a:t>按钮，开始安装。安装结束后出现如图所示的窗口，单击</a:t>
-            </a:r>
-            <a:r>
-              <a:rPr lang="en-US" altLang="zh-CN" sz="2200" dirty="0">
-                <a:solidFill>
-                  <a:schemeClr val="tx1"/>
-                </a:solidFill>
-                <a:latin typeface="Times New Roman" pitchFamily="18" charset="0"/>
-                <a:cs typeface="Times New Roman" pitchFamily="18" charset="0"/>
-              </a:rPr>
-              <a:t>“Finish”</a:t>
-            </a:r>
-            <a:r>
-              <a:rPr lang="zh-CN" altLang="zh-CN" sz="2200" dirty="0">
-                <a:solidFill>
-                  <a:schemeClr val="tx1"/>
-                </a:solidFill>
-                <a:latin typeface="Times New Roman" pitchFamily="18" charset="0"/>
-                <a:cs typeface="Times New Roman" pitchFamily="18" charset="0"/>
-              </a:rPr>
-              <a:t>按钮，完成安装。</a:t>
-            </a:r>
-          </a:p>
-          <a:p>
-            <a:pPr marL="0" indent="0">
-              <a:buNone/>
-            </a:pPr>
-            <a:endParaRPr lang="en-US" altLang="zh-CN" sz="2200" dirty="0">
-              <a:solidFill>
-                <a:schemeClr val="tx1"/>
-              </a:solidFill>
-              <a:latin typeface="Times New Roman" pitchFamily="18" charset="0"/>
-              <a:cs typeface="Times New Roman" pitchFamily="18" charset="0"/>
-            </a:endParaRPr>
-          </a:p>
-          <a:p>
-            <a:pPr marL="0" lvl="0" indent="0">
-              <a:buNone/>
-            </a:pPr>
-            <a:endParaRPr lang="en-US" altLang="zh-CN" sz="2200" dirty="0">
-              <a:solidFill>
-                <a:schemeClr val="tx1"/>
-              </a:solidFill>
-              <a:latin typeface="Times New Roman" pitchFamily="18" charset="0"/>
-              <a:cs typeface="Times New Roman" pitchFamily="18" charset="0"/>
-            </a:endParaRPr>
-          </a:p>
-          <a:p>
-            <a:pPr marL="0" indent="0">
-              <a:buNone/>
-            </a:pPr>
-            <a:r>
-              <a:rPr lang="zh-CN" altLang="en-US" sz="2200" dirty="0">
-                <a:solidFill>
-                  <a:schemeClr val="tx1"/>
-                </a:solidFill>
-                <a:latin typeface="Times New Roman" pitchFamily="18" charset="0"/>
-                <a:cs typeface="Times New Roman" pitchFamily="18" charset="0"/>
-              </a:rPr>
-              <a:t>（</a:t>
-            </a:r>
-            <a:r>
-              <a:rPr lang="en-US" altLang="zh-CN" sz="2200" dirty="0">
-                <a:solidFill>
-                  <a:schemeClr val="tx1"/>
-                </a:solidFill>
-                <a:latin typeface="Times New Roman" pitchFamily="18" charset="0"/>
-                <a:cs typeface="Times New Roman" pitchFamily="18" charset="0"/>
-              </a:rPr>
-              <a:t>6</a:t>
-            </a:r>
-            <a:r>
-              <a:rPr lang="zh-CN" altLang="en-US" sz="2200" dirty="0">
-                <a:solidFill>
-                  <a:schemeClr val="tx1"/>
-                </a:solidFill>
-                <a:latin typeface="Times New Roman" pitchFamily="18" charset="0"/>
-                <a:cs typeface="Times New Roman" pitchFamily="18" charset="0"/>
-              </a:rPr>
-              <a:t>）</a:t>
-            </a:r>
-            <a:r>
-              <a:rPr lang="zh-CN" altLang="zh-CN" sz="2200" dirty="0">
-                <a:solidFill>
-                  <a:schemeClr val="tx1"/>
-                </a:solidFill>
-                <a:latin typeface="Times New Roman" pitchFamily="18" charset="0"/>
-                <a:cs typeface="Times New Roman" pitchFamily="18" charset="0"/>
-              </a:rPr>
-              <a:t>启动</a:t>
-            </a:r>
-            <a:r>
-              <a:rPr lang="en-US" altLang="zh-CN" sz="2200" dirty="0">
-                <a:solidFill>
-                  <a:schemeClr val="tx1"/>
-                </a:solidFill>
-                <a:latin typeface="Times New Roman" pitchFamily="18" charset="0"/>
-                <a:cs typeface="Times New Roman" pitchFamily="18" charset="0"/>
-              </a:rPr>
-              <a:t>MyEclipse2016,</a:t>
-            </a:r>
-            <a:r>
-              <a:rPr lang="zh-CN" altLang="zh-CN" sz="2200" dirty="0">
-                <a:solidFill>
-                  <a:schemeClr val="tx1"/>
-                </a:solidFill>
-                <a:latin typeface="Times New Roman" pitchFamily="18" charset="0"/>
-                <a:cs typeface="Times New Roman" pitchFamily="18" charset="0"/>
-              </a:rPr>
-              <a:t>进入如图所示的界面。</a:t>
-            </a:r>
-          </a:p>
-          <a:p>
-            <a:pPr marL="0" lvl="0" indent="0">
-              <a:buNone/>
-            </a:pPr>
-            <a:endParaRPr lang="zh-CN" altLang="en-US" sz="2000" dirty="0"/>
-          </a:p>
-          <a:p>
-            <a:pPr marL="0" indent="0">
-              <a:buNone/>
-            </a:pPr>
-            <a:endParaRPr lang="zh-CN" altLang="en-US" sz="2000" dirty="0"/>
-          </a:p>
-        </p:txBody>
-      </p:sp>
-      <p:pic>
-        <p:nvPicPr>
-          <p:cNvPr id="27650" name="图片 7" descr="005"/>
-          <p:cNvPicPr>
-            <a:picLocks noChangeAspect="1" noChangeArrowheads="1"/>
-          </p:cNvPicPr>
-          <p:nvPr/>
-        </p:nvPicPr>
-        <p:blipFill>
-          <a:blip r:embed="rId2" cstate="print">
-            <a:extLst>
-              <a:ext uri="{28A0092B-C50C-407E-A947-70E740481C1C}">
-                <a14:useLocalDpi xmlns:a14="http://schemas.microsoft.com/office/drawing/2010/main" val="0"/>
-              </a:ext>
-            </a:extLst>
-          </a:blip>
-          <a:srcRect/>
-          <a:stretch>
-            <a:fillRect/>
-          </a:stretch>
-        </p:blipFill>
-        <p:spPr bwMode="auto">
-          <a:xfrm>
-            <a:off x="5292080" y="1131590"/>
-            <a:ext cx="2376264" cy="1680325"/>
-          </a:xfrm>
-          <a:prstGeom prst="rect">
-            <a:avLst/>
-          </a:prstGeom>
-          <a:noFill/>
-          <a:ln>
-            <a:noFill/>
-          </a:ln>
-          <a:extLst>
-            <a:ext uri="{909E8E84-426E-40DD-AFC4-6F175D3DCCD1}">
-              <a14:hiddenFill xmlns:a14="http://schemas.microsoft.com/office/drawing/2010/main">
-                <a:solidFill>
-                  <a:srgbClr val="FFFFFF"/>
-                </a:solidFill>
-              </a14:hiddenFill>
-            </a:ext>
-            <a:ext uri="{91240B29-F687-4F45-9708-019B960494DF}">
-              <a14:hiddenLine xmlns:a14="http://schemas.microsoft.com/office/drawing/2010/main" w="9525">
-                <a:solidFill>
-                  <a:srgbClr val="000000"/>
-                </a:solidFill>
-                <a:miter lim="800000"/>
-                <a:headEnd/>
-                <a:tailEnd/>
-              </a14:hiddenLine>
-            </a:ext>
-          </a:extLst>
-        </p:spPr>
-      </p:pic>
-      <p:pic>
-        <p:nvPicPr>
-          <p:cNvPr id="27651" name="图片 6" descr="006"/>
-          <p:cNvPicPr>
-            <a:picLocks noChangeAspect="1" noChangeArrowheads="1"/>
-          </p:cNvPicPr>
-          <p:nvPr/>
-        </p:nvPicPr>
-        <p:blipFill>
-          <a:blip r:embed="rId3" cstate="print">
-            <a:extLst>
-              <a:ext uri="{28A0092B-C50C-407E-A947-70E740481C1C}">
-                <a14:useLocalDpi xmlns:a14="http://schemas.microsoft.com/office/drawing/2010/main" val="0"/>
-              </a:ext>
-            </a:extLst>
-          </a:blip>
-          <a:srcRect/>
-          <a:stretch>
-            <a:fillRect/>
-          </a:stretch>
-        </p:blipFill>
-        <p:spPr bwMode="auto">
-          <a:xfrm>
-            <a:off x="4860032" y="2790015"/>
-            <a:ext cx="3384376" cy="2353485"/>
-          </a:xfrm>
-          <a:prstGeom prst="rect">
-            <a:avLst/>
-          </a:prstGeom>
-          <a:noFill/>
-          <a:ln>
-            <a:noFill/>
-          </a:ln>
-          <a:extLst>
-            <a:ext uri="{909E8E84-426E-40DD-AFC4-6F175D3DCCD1}">
-              <a14:hiddenFill xmlns:a14="http://schemas.microsoft.com/office/drawing/2010/main">
-                <a:solidFill>
-                  <a:srgbClr val="FFFFFF"/>
-                </a:solidFill>
-              </a14:hiddenFill>
-            </a:ext>
-            <a:ext uri="{91240B29-F687-4F45-9708-019B960494DF}">
-              <a14:hiddenLine xmlns:a14="http://schemas.microsoft.com/office/drawing/2010/main" w="9525">
-                <a:solidFill>
-                  <a:srgbClr val="000000"/>
-                </a:solidFill>
-                <a:miter lim="800000"/>
-                <a:headEnd/>
-                <a:tailEnd/>
-              </a14:hiddenLine>
-            </a:ext>
-          </a:extLst>
-        </p:spPr>
-      </p:pic>
+        </p:nvGraphicFramePr>
+        <p:xfrm>
+          <a:off x="527875" y="1275606"/>
+          <a:ext cx="8229600" cy="3384376"/>
+        </p:xfrm>
+        <a:graphic>
+          <a:graphicData uri="http://schemas.openxmlformats.org/drawingml/2006/diagram">
+            <dgm:relIds xmlns:dgm="http://schemas.openxmlformats.org/drawingml/2006/diagram" xmlns:r="http://schemas.openxmlformats.org/officeDocument/2006/relationships" r:dm="rId2" r:lo="rId3" r:qs="rId4" r:cs="rId5"/>
+          </a:graphicData>
+        </a:graphic>
+      </p:graphicFrame>
     </p:spTree>
     <p:extLst>
       <p:ext uri="{BB962C8B-B14F-4D97-AF65-F5344CB8AC3E}">
-        <p14:creationId xmlns:p14="http://schemas.microsoft.com/office/powerpoint/2010/main" val="2128345867"/>
-      </p:ext>
-    </p:extLst>
-  </p:cSld>
-  <p:clrMapOvr>
-    <a:masterClrMapping/>
-  </p:clrMapOvr>
-</p:sld>
-</file>
-
-<file path=ppt/slides/slide26.xml><?xml version="1.0" encoding="utf-8"?>
-<p:sld xmlns:a="http://schemas.openxmlformats.org/drawingml/2006/main" xmlns:r="http://schemas.openxmlformats.org/officeDocument/2006/relationships" xmlns:p="http://schemas.openxmlformats.org/presentationml/2006/main">
-  <p:cSld>
-    <p:spTree>
-      <p:nvGrpSpPr>
-        <p:cNvPr id="1" name=""/>
-        <p:cNvGrpSpPr/>
-        <p:nvPr/>
-      </p:nvGrpSpPr>
-      <p:grpSpPr>
-        <a:xfrm>
-          <a:off x="0" y="0"/>
-          <a:ext cx="0" cy="0"/>
-          <a:chOff x="0" y="0"/>
-          <a:chExt cx="0" cy="0"/>
-        </a:xfrm>
-      </p:grpSpPr>
-      <p:sp>
-        <p:nvSpPr>
-          <p:cNvPr id="2" name="标题 1"/>
-          <p:cNvSpPr>
-            <a:spLocks noGrp="1"/>
-          </p:cNvSpPr>
-          <p:nvPr>
-            <p:ph type="title"/>
-          </p:nvPr>
-        </p:nvSpPr>
-        <p:spPr/>
-        <p:txBody>
-          <a:bodyPr/>
-          <a:lstStyle/>
-          <a:p>
-            <a:r>
-              <a:rPr lang="en-US" altLang="zh-CN" sz="4800" dirty="0"/>
-              <a:t>6.3 </a:t>
-            </a:r>
-            <a:r>
-              <a:rPr lang="en-US" altLang="zh-CN" sz="4800" dirty="0" err="1"/>
-              <a:t>MyEclipse</a:t>
-            </a:r>
-            <a:r>
-              <a:rPr lang="zh-CN" altLang="en-US" sz="4800" dirty="0"/>
-              <a:t>的安装及配置</a:t>
-            </a:r>
-          </a:p>
-        </p:txBody>
-      </p:sp>
-      <p:sp>
-        <p:nvSpPr>
-          <p:cNvPr id="3" name="内容占位符 2"/>
-          <p:cNvSpPr>
-            <a:spLocks noGrp="1"/>
-          </p:cNvSpPr>
-          <p:nvPr>
-            <p:ph idx="1"/>
-          </p:nvPr>
-        </p:nvSpPr>
-        <p:spPr>
-          <a:xfrm>
-            <a:off x="457200" y="1200151"/>
-            <a:ext cx="3898776" cy="3394472"/>
-          </a:xfrm>
-        </p:spPr>
-        <p:txBody>
-          <a:bodyPr>
-            <a:normAutofit/>
-          </a:bodyPr>
-          <a:lstStyle/>
-          <a:p>
-            <a:pPr marL="0" indent="0">
-              <a:buNone/>
-            </a:pPr>
-            <a:r>
-              <a:rPr lang="zh-CN" altLang="en-US" sz="2200" dirty="0">
-                <a:solidFill>
-                  <a:schemeClr val="tx1"/>
-                </a:solidFill>
-                <a:latin typeface="Times New Roman" pitchFamily="18" charset="0"/>
-                <a:cs typeface="Times New Roman" pitchFamily="18" charset="0"/>
-              </a:rPr>
-              <a:t>（</a:t>
-            </a:r>
-            <a:r>
-              <a:rPr lang="en-US" altLang="zh-CN" sz="2200" dirty="0">
-                <a:solidFill>
-                  <a:schemeClr val="tx1"/>
-                </a:solidFill>
-                <a:latin typeface="Times New Roman" pitchFamily="18" charset="0"/>
-                <a:cs typeface="Times New Roman" pitchFamily="18" charset="0"/>
-              </a:rPr>
-              <a:t>7</a:t>
-            </a:r>
-            <a:r>
-              <a:rPr lang="zh-CN" altLang="en-US" sz="2200" dirty="0">
-                <a:solidFill>
-                  <a:schemeClr val="tx1"/>
-                </a:solidFill>
-                <a:latin typeface="Times New Roman" pitchFamily="18" charset="0"/>
-                <a:cs typeface="Times New Roman" pitchFamily="18" charset="0"/>
-              </a:rPr>
-              <a:t>）</a:t>
-            </a:r>
-            <a:r>
-              <a:rPr lang="zh-CN" altLang="zh-CN" sz="2200" dirty="0">
-                <a:solidFill>
-                  <a:schemeClr val="tx1"/>
-                </a:solidFill>
-                <a:latin typeface="Times New Roman" pitchFamily="18" charset="0"/>
-                <a:cs typeface="Times New Roman" pitchFamily="18" charset="0"/>
-              </a:rPr>
-              <a:t>在</a:t>
-            </a:r>
-            <a:r>
-              <a:rPr lang="en-US" altLang="zh-CN" sz="2200" dirty="0">
-                <a:solidFill>
-                  <a:schemeClr val="tx1"/>
-                </a:solidFill>
-                <a:latin typeface="Times New Roman" pitchFamily="18" charset="0"/>
-                <a:cs typeface="Times New Roman" pitchFamily="18" charset="0"/>
-              </a:rPr>
-              <a:t>MyEclipse2016</a:t>
-            </a:r>
-            <a:r>
-              <a:rPr lang="zh-CN" altLang="zh-CN" sz="2200" dirty="0">
-                <a:solidFill>
-                  <a:schemeClr val="tx1"/>
-                </a:solidFill>
-                <a:latin typeface="Times New Roman" pitchFamily="18" charset="0"/>
-                <a:cs typeface="Times New Roman" pitchFamily="18" charset="0"/>
-              </a:rPr>
-              <a:t>中配置</a:t>
-            </a:r>
-            <a:r>
-              <a:rPr lang="en-US" altLang="zh-CN" sz="2200" dirty="0">
-                <a:solidFill>
-                  <a:schemeClr val="tx1"/>
-                </a:solidFill>
-                <a:latin typeface="Times New Roman" pitchFamily="18" charset="0"/>
-                <a:cs typeface="Times New Roman" pitchFamily="18" charset="0"/>
-              </a:rPr>
-              <a:t>Tomcat8</a:t>
-            </a:r>
-            <a:r>
-              <a:rPr lang="zh-CN" altLang="en-US" sz="2200" dirty="0">
-                <a:solidFill>
-                  <a:schemeClr val="tx1"/>
-                </a:solidFill>
-                <a:latin typeface="Times New Roman" pitchFamily="18" charset="0"/>
-                <a:cs typeface="Times New Roman" pitchFamily="18" charset="0"/>
-              </a:rPr>
-              <a:t>，</a:t>
-            </a:r>
-            <a:endParaRPr lang="en-US" altLang="zh-CN" sz="2200" dirty="0">
-              <a:solidFill>
-                <a:schemeClr val="tx1"/>
-              </a:solidFill>
-              <a:latin typeface="Times New Roman" pitchFamily="18" charset="0"/>
-              <a:cs typeface="Times New Roman" pitchFamily="18" charset="0"/>
-            </a:endParaRPr>
-          </a:p>
-          <a:p>
-            <a:pPr marL="0" indent="0">
-              <a:buNone/>
-            </a:pPr>
-            <a:r>
-              <a:rPr lang="zh-CN" altLang="en-US" sz="2200" dirty="0">
-                <a:solidFill>
-                  <a:schemeClr val="tx1"/>
-                </a:solidFill>
-                <a:latin typeface="Times New Roman" pitchFamily="18" charset="0"/>
-                <a:cs typeface="Times New Roman" pitchFamily="18" charset="0"/>
-              </a:rPr>
-              <a:t>选</a:t>
-            </a:r>
-            <a:r>
-              <a:rPr lang="zh-CN" altLang="zh-CN" sz="2200" dirty="0">
-                <a:solidFill>
-                  <a:schemeClr val="tx1"/>
-                </a:solidFill>
-                <a:latin typeface="Times New Roman" pitchFamily="18" charset="0"/>
-                <a:cs typeface="Times New Roman" pitchFamily="18" charset="0"/>
-              </a:rPr>
-              <a:t>择</a:t>
-            </a:r>
-            <a:r>
-              <a:rPr lang="en-US" altLang="zh-CN" sz="2200" dirty="0">
-                <a:solidFill>
-                  <a:schemeClr val="tx1"/>
-                </a:solidFill>
-                <a:latin typeface="Times New Roman" pitchFamily="18" charset="0"/>
-                <a:cs typeface="Times New Roman" pitchFamily="18" charset="0"/>
-              </a:rPr>
-              <a:t>”</a:t>
-            </a:r>
-            <a:r>
-              <a:rPr lang="en-US" altLang="zh-CN" sz="2200" dirty="0" err="1">
-                <a:solidFill>
-                  <a:schemeClr val="tx1"/>
-                </a:solidFill>
-                <a:latin typeface="Times New Roman" pitchFamily="18" charset="0"/>
-                <a:cs typeface="Times New Roman" pitchFamily="18" charset="0"/>
-              </a:rPr>
-              <a:t>windows→Preferences</a:t>
-            </a:r>
-            <a:r>
-              <a:rPr lang="en-US" altLang="zh-CN" sz="2200" dirty="0">
-                <a:solidFill>
-                  <a:schemeClr val="tx1"/>
-                </a:solidFill>
-                <a:latin typeface="Times New Roman" pitchFamily="18" charset="0"/>
-                <a:cs typeface="Times New Roman" pitchFamily="18" charset="0"/>
-              </a:rPr>
-              <a:t>”</a:t>
-            </a:r>
-            <a:r>
-              <a:rPr lang="zh-CN" altLang="zh-CN" sz="2200" dirty="0">
-                <a:solidFill>
-                  <a:schemeClr val="tx1"/>
-                </a:solidFill>
-                <a:latin typeface="Times New Roman" pitchFamily="18" charset="0"/>
-                <a:cs typeface="Times New Roman" pitchFamily="18" charset="0"/>
-              </a:rPr>
-              <a:t>命令，在弹出的对话框中选择</a:t>
-            </a:r>
-            <a:r>
-              <a:rPr lang="en-US" altLang="zh-CN" sz="2200" dirty="0">
-                <a:solidFill>
-                  <a:schemeClr val="tx1"/>
-                </a:solidFill>
-                <a:latin typeface="Times New Roman" pitchFamily="18" charset="0"/>
-                <a:cs typeface="Times New Roman" pitchFamily="18" charset="0"/>
-              </a:rPr>
-              <a:t>“</a:t>
-            </a:r>
-            <a:r>
-              <a:rPr lang="en-US" altLang="zh-CN" sz="2200" dirty="0" err="1">
-                <a:solidFill>
-                  <a:schemeClr val="tx1"/>
-                </a:solidFill>
-                <a:latin typeface="Times New Roman" pitchFamily="18" charset="0"/>
-                <a:cs typeface="Times New Roman" pitchFamily="18" charset="0"/>
-              </a:rPr>
-              <a:t>MyEclipse→Servers→runtimes</a:t>
-            </a:r>
-            <a:r>
-              <a:rPr lang="en-US" altLang="zh-CN" sz="2200" dirty="0">
-                <a:solidFill>
-                  <a:schemeClr val="tx1"/>
-                </a:solidFill>
-                <a:latin typeface="Times New Roman" pitchFamily="18" charset="0"/>
-                <a:cs typeface="Times New Roman" pitchFamily="18" charset="0"/>
-              </a:rPr>
-              <a:t> environment”</a:t>
-            </a:r>
-            <a:r>
-              <a:rPr lang="zh-CN" altLang="zh-CN" sz="2200" dirty="0">
-                <a:solidFill>
-                  <a:schemeClr val="tx1"/>
-                </a:solidFill>
-                <a:latin typeface="Times New Roman" pitchFamily="18" charset="0"/>
-                <a:cs typeface="Times New Roman" pitchFamily="18" charset="0"/>
-              </a:rPr>
-              <a:t>，</a:t>
-            </a:r>
-            <a:endParaRPr lang="en-US" altLang="zh-CN" sz="2200" dirty="0">
-              <a:solidFill>
-                <a:schemeClr val="tx1"/>
-              </a:solidFill>
-              <a:latin typeface="Times New Roman" pitchFamily="18" charset="0"/>
-              <a:cs typeface="Times New Roman" pitchFamily="18" charset="0"/>
-            </a:endParaRPr>
-          </a:p>
-          <a:p>
-            <a:pPr marL="0" indent="0">
-              <a:buNone/>
-            </a:pPr>
-            <a:r>
-              <a:rPr lang="zh-CN" altLang="zh-CN" sz="2200" dirty="0">
-                <a:solidFill>
-                  <a:schemeClr val="tx1"/>
-                </a:solidFill>
-                <a:latin typeface="Times New Roman" pitchFamily="18" charset="0"/>
-                <a:cs typeface="Times New Roman" pitchFamily="18" charset="0"/>
-              </a:rPr>
-              <a:t>点击</a:t>
-            </a:r>
-            <a:r>
-              <a:rPr lang="en-US" altLang="zh-CN" sz="2200" dirty="0">
-                <a:solidFill>
-                  <a:schemeClr val="tx1"/>
-                </a:solidFill>
-                <a:latin typeface="Times New Roman" pitchFamily="18" charset="0"/>
-                <a:cs typeface="Times New Roman" pitchFamily="18" charset="0"/>
-              </a:rPr>
-              <a:t>runtimes environment</a:t>
-            </a:r>
-            <a:r>
-              <a:rPr lang="zh-CN" altLang="zh-CN" sz="2200" dirty="0">
-                <a:solidFill>
-                  <a:schemeClr val="tx1"/>
-                </a:solidFill>
-                <a:latin typeface="Times New Roman" pitchFamily="18" charset="0"/>
-                <a:cs typeface="Times New Roman" pitchFamily="18" charset="0"/>
-              </a:rPr>
-              <a:t>选项，在窗口的右边进行如图所示的配置。</a:t>
-            </a:r>
-            <a:endParaRPr lang="en-US" altLang="zh-CN" sz="2200" dirty="0">
-              <a:solidFill>
-                <a:schemeClr val="tx1"/>
-              </a:solidFill>
-              <a:latin typeface="Times New Roman" pitchFamily="18" charset="0"/>
-              <a:cs typeface="Times New Roman" pitchFamily="18" charset="0"/>
-            </a:endParaRPr>
-          </a:p>
-          <a:p>
-            <a:pPr marL="0" lvl="0" indent="0">
-              <a:buNone/>
-            </a:pPr>
-            <a:endParaRPr lang="zh-CN" altLang="en-US" sz="2000" dirty="0"/>
-          </a:p>
-          <a:p>
-            <a:pPr marL="0" indent="0">
-              <a:buNone/>
-            </a:pPr>
-            <a:endParaRPr lang="zh-CN" altLang="en-US" sz="2000" dirty="0"/>
-          </a:p>
-        </p:txBody>
-      </p:sp>
-      <p:pic>
-        <p:nvPicPr>
-          <p:cNvPr id="28674" name="图片 5" descr="112"/>
-          <p:cNvPicPr>
-            <a:picLocks noChangeAspect="1" noChangeArrowheads="1"/>
-          </p:cNvPicPr>
-          <p:nvPr/>
-        </p:nvPicPr>
-        <p:blipFill>
-          <a:blip r:embed="rId2">
-            <a:extLst>
-              <a:ext uri="{28A0092B-C50C-407E-A947-70E740481C1C}">
-                <a14:useLocalDpi xmlns:a14="http://schemas.microsoft.com/office/drawing/2010/main" val="0"/>
-              </a:ext>
-            </a:extLst>
-          </a:blip>
-          <a:srcRect/>
-          <a:stretch>
-            <a:fillRect/>
-          </a:stretch>
-        </p:blipFill>
-        <p:spPr bwMode="auto">
-          <a:xfrm>
-            <a:off x="4355976" y="1203597"/>
-            <a:ext cx="3888432" cy="3806425"/>
-          </a:xfrm>
-          <a:prstGeom prst="rect">
-            <a:avLst/>
-          </a:prstGeom>
-          <a:noFill/>
-          <a:ln>
-            <a:noFill/>
-          </a:ln>
-          <a:extLst>
-            <a:ext uri="{909E8E84-426E-40DD-AFC4-6F175D3DCCD1}">
-              <a14:hiddenFill xmlns:a14="http://schemas.microsoft.com/office/drawing/2010/main">
-                <a:solidFill>
-                  <a:srgbClr val="FFFFFF"/>
-                </a:solidFill>
-              </a14:hiddenFill>
-            </a:ext>
-            <a:ext uri="{91240B29-F687-4F45-9708-019B960494DF}">
-              <a14:hiddenLine xmlns:a14="http://schemas.microsoft.com/office/drawing/2010/main" w="9525">
-                <a:solidFill>
-                  <a:srgbClr val="000000"/>
-                </a:solidFill>
-                <a:miter lim="800000"/>
-                <a:headEnd/>
-                <a:tailEnd/>
-              </a14:hiddenLine>
-            </a:ext>
-          </a:extLst>
-        </p:spPr>
-      </p:pic>
-    </p:spTree>
-    <p:extLst>
-      <p:ext uri="{BB962C8B-B14F-4D97-AF65-F5344CB8AC3E}">
-        <p14:creationId xmlns:p14="http://schemas.microsoft.com/office/powerpoint/2010/main" val="4162522613"/>
-      </p:ext>
-    </p:extLst>
-  </p:cSld>
-  <p:clrMapOvr>
-    <a:masterClrMapping/>
-  </p:clrMapOvr>
-</p:sld>
-</file>
-
-<file path=ppt/slides/slide27.xml><?xml version="1.0" encoding="utf-8"?>
-<p:sld xmlns:a="http://schemas.openxmlformats.org/drawingml/2006/main" xmlns:r="http://schemas.openxmlformats.org/officeDocument/2006/relationships" xmlns:p="http://schemas.openxmlformats.org/presentationml/2006/main">
-  <p:cSld>
-    <p:spTree>
-      <p:nvGrpSpPr>
-        <p:cNvPr id="1" name=""/>
-        <p:cNvGrpSpPr/>
-        <p:nvPr/>
-      </p:nvGrpSpPr>
-      <p:grpSpPr>
-        <a:xfrm>
-          <a:off x="0" y="0"/>
-          <a:ext cx="0" cy="0"/>
-          <a:chOff x="0" y="0"/>
-          <a:chExt cx="0" cy="0"/>
-        </a:xfrm>
-      </p:grpSpPr>
-      <p:sp>
-        <p:nvSpPr>
-          <p:cNvPr id="2" name="标题 1"/>
-          <p:cNvSpPr>
-            <a:spLocks noGrp="1"/>
-          </p:cNvSpPr>
-          <p:nvPr>
-            <p:ph type="title"/>
-          </p:nvPr>
-        </p:nvSpPr>
-        <p:spPr/>
-        <p:txBody>
-          <a:bodyPr/>
-          <a:lstStyle/>
-          <a:p>
-            <a:r>
-              <a:rPr lang="en-US" altLang="zh-CN" sz="4800" dirty="0"/>
-              <a:t>6.3 </a:t>
-            </a:r>
-            <a:r>
-              <a:rPr lang="en-US" altLang="zh-CN" sz="4800" dirty="0" err="1"/>
-              <a:t>MyEclipse</a:t>
-            </a:r>
-            <a:r>
-              <a:rPr lang="zh-CN" altLang="en-US" sz="4800" dirty="0"/>
-              <a:t>的安装及配置</a:t>
-            </a:r>
-          </a:p>
-        </p:txBody>
-      </p:sp>
-      <p:sp>
-        <p:nvSpPr>
-          <p:cNvPr id="3" name="内容占位符 2"/>
-          <p:cNvSpPr>
-            <a:spLocks noGrp="1"/>
-          </p:cNvSpPr>
-          <p:nvPr>
-            <p:ph idx="1"/>
-          </p:nvPr>
-        </p:nvSpPr>
-        <p:spPr>
-          <a:xfrm>
-            <a:off x="457200" y="1200151"/>
-            <a:ext cx="3970784" cy="3394472"/>
-          </a:xfrm>
-        </p:spPr>
-        <p:txBody>
-          <a:bodyPr>
-            <a:normAutofit/>
-          </a:bodyPr>
-          <a:lstStyle/>
-          <a:p>
-            <a:pPr marL="0" indent="0">
-              <a:buNone/>
-            </a:pPr>
-            <a:r>
-              <a:rPr lang="zh-CN" altLang="en-US" sz="2200" dirty="0">
-                <a:solidFill>
-                  <a:schemeClr val="tx1"/>
-                </a:solidFill>
-                <a:latin typeface="Times New Roman" pitchFamily="18" charset="0"/>
-                <a:cs typeface="Times New Roman" pitchFamily="18" charset="0"/>
-              </a:rPr>
-              <a:t>（</a:t>
-            </a:r>
-            <a:r>
-              <a:rPr lang="en-US" altLang="zh-CN" sz="2200" dirty="0">
-                <a:solidFill>
-                  <a:schemeClr val="tx1"/>
-                </a:solidFill>
-                <a:latin typeface="Times New Roman" pitchFamily="18" charset="0"/>
-                <a:cs typeface="Times New Roman" pitchFamily="18" charset="0"/>
-              </a:rPr>
-              <a:t>8</a:t>
-            </a:r>
-            <a:r>
-              <a:rPr lang="zh-CN" altLang="en-US" sz="2200" dirty="0">
-                <a:solidFill>
-                  <a:schemeClr val="tx1"/>
-                </a:solidFill>
-                <a:latin typeface="Times New Roman" pitchFamily="18" charset="0"/>
-                <a:cs typeface="Times New Roman" pitchFamily="18" charset="0"/>
-              </a:rPr>
-              <a:t>）点击右边的</a:t>
-            </a:r>
-            <a:r>
-              <a:rPr lang="en-US" altLang="zh-CN" sz="2200" dirty="0">
-                <a:solidFill>
-                  <a:schemeClr val="tx1"/>
-                </a:solidFill>
-                <a:latin typeface="Times New Roman" pitchFamily="18" charset="0"/>
-                <a:cs typeface="Times New Roman" pitchFamily="18" charset="0"/>
-              </a:rPr>
-              <a:t>Add</a:t>
-            </a:r>
-            <a:r>
-              <a:rPr lang="zh-CN" altLang="en-US" sz="2200" dirty="0">
-                <a:solidFill>
-                  <a:schemeClr val="tx1"/>
-                </a:solidFill>
-                <a:latin typeface="Times New Roman" pitchFamily="18" charset="0"/>
-                <a:cs typeface="Times New Roman" pitchFamily="18" charset="0"/>
-              </a:rPr>
-              <a:t>按钮，在列表中找到</a:t>
-            </a:r>
-            <a:r>
-              <a:rPr lang="en-US" altLang="zh-CN" sz="2200" dirty="0">
-                <a:solidFill>
-                  <a:schemeClr val="tx1"/>
-                </a:solidFill>
-                <a:latin typeface="Times New Roman" pitchFamily="18" charset="0"/>
-                <a:cs typeface="Times New Roman" pitchFamily="18" charset="0"/>
-              </a:rPr>
-              <a:t>Tomcat</a:t>
-            </a:r>
-            <a:r>
-              <a:rPr lang="zh-CN" altLang="en-US" sz="2200" dirty="0">
-                <a:solidFill>
-                  <a:schemeClr val="tx1"/>
-                </a:solidFill>
-                <a:latin typeface="Times New Roman" pitchFamily="18" charset="0"/>
-                <a:cs typeface="Times New Roman" pitchFamily="18" charset="0"/>
-              </a:rPr>
-              <a:t>，点击下拉出现版本选项，选择安装好的</a:t>
-            </a:r>
-            <a:r>
-              <a:rPr lang="en-US" altLang="zh-CN" sz="2200" dirty="0">
-                <a:solidFill>
-                  <a:schemeClr val="tx1"/>
-                </a:solidFill>
-                <a:latin typeface="Times New Roman" pitchFamily="18" charset="0"/>
-                <a:cs typeface="Times New Roman" pitchFamily="18" charset="0"/>
-              </a:rPr>
-              <a:t>Tomcat8</a:t>
-            </a:r>
-            <a:r>
-              <a:rPr lang="zh-CN" altLang="en-US" sz="2200" dirty="0">
-                <a:solidFill>
-                  <a:schemeClr val="tx1"/>
-                </a:solidFill>
-                <a:latin typeface="Times New Roman" pitchFamily="18" charset="0"/>
-                <a:cs typeface="Times New Roman" pitchFamily="18" charset="0"/>
-              </a:rPr>
-              <a:t>，选择“</a:t>
-            </a:r>
-            <a:r>
-              <a:rPr lang="en-US" altLang="zh-CN" sz="2200" dirty="0">
-                <a:solidFill>
-                  <a:schemeClr val="tx1"/>
-                </a:solidFill>
-                <a:latin typeface="Times New Roman" pitchFamily="18" charset="0"/>
-                <a:cs typeface="Times New Roman" pitchFamily="18" charset="0"/>
-              </a:rPr>
-              <a:t>create a new local server”</a:t>
-            </a:r>
-            <a:r>
-              <a:rPr lang="zh-CN" altLang="en-US" sz="2200" dirty="0">
-                <a:solidFill>
-                  <a:schemeClr val="tx1"/>
-                </a:solidFill>
-                <a:latin typeface="Times New Roman" pitchFamily="18" charset="0"/>
-                <a:cs typeface="Times New Roman" pitchFamily="18" charset="0"/>
-              </a:rPr>
-              <a:t>按钮，然后进入下一步</a:t>
-            </a:r>
-            <a:r>
-              <a:rPr lang="zh-CN" altLang="en-US" sz="2000" dirty="0"/>
-              <a:t>。</a:t>
-            </a:r>
-          </a:p>
-          <a:p>
-            <a:pPr marL="0" indent="0">
-              <a:buNone/>
-            </a:pPr>
-            <a:endParaRPr lang="zh-CN" altLang="en-US" sz="2000" dirty="0"/>
-          </a:p>
-        </p:txBody>
-      </p:sp>
-      <p:pic>
-        <p:nvPicPr>
-          <p:cNvPr id="29698" name="图片 4" descr="114"/>
-          <p:cNvPicPr>
-            <a:picLocks noChangeAspect="1" noChangeArrowheads="1"/>
-          </p:cNvPicPr>
-          <p:nvPr/>
-        </p:nvPicPr>
-        <p:blipFill>
-          <a:blip r:embed="rId2">
-            <a:extLst>
-              <a:ext uri="{28A0092B-C50C-407E-A947-70E740481C1C}">
-                <a14:useLocalDpi xmlns:a14="http://schemas.microsoft.com/office/drawing/2010/main" val="0"/>
-              </a:ext>
-            </a:extLst>
-          </a:blip>
-          <a:srcRect/>
-          <a:stretch>
-            <a:fillRect/>
-          </a:stretch>
-        </p:blipFill>
-        <p:spPr bwMode="auto">
-          <a:xfrm>
-            <a:off x="4572000" y="1203598"/>
-            <a:ext cx="3528392" cy="3849155"/>
-          </a:xfrm>
-          <a:prstGeom prst="rect">
-            <a:avLst/>
-          </a:prstGeom>
-          <a:noFill/>
-          <a:ln>
-            <a:noFill/>
-          </a:ln>
-          <a:extLst>
-            <a:ext uri="{909E8E84-426E-40DD-AFC4-6F175D3DCCD1}">
-              <a14:hiddenFill xmlns:a14="http://schemas.microsoft.com/office/drawing/2010/main">
-                <a:solidFill>
-                  <a:srgbClr val="FFFFFF"/>
-                </a:solidFill>
-              </a14:hiddenFill>
-            </a:ext>
-            <a:ext uri="{91240B29-F687-4F45-9708-019B960494DF}">
-              <a14:hiddenLine xmlns:a14="http://schemas.microsoft.com/office/drawing/2010/main" w="9525">
-                <a:solidFill>
-                  <a:srgbClr val="000000"/>
-                </a:solidFill>
-                <a:miter lim="800000"/>
-                <a:headEnd/>
-                <a:tailEnd/>
-              </a14:hiddenLine>
-            </a:ext>
-          </a:extLst>
-        </p:spPr>
-      </p:pic>
-    </p:spTree>
-    <p:extLst>
-      <p:ext uri="{BB962C8B-B14F-4D97-AF65-F5344CB8AC3E}">
-        <p14:creationId xmlns:p14="http://schemas.microsoft.com/office/powerpoint/2010/main" val="4162522613"/>
-      </p:ext>
-    </p:extLst>
-  </p:cSld>
-  <p:clrMapOvr>
-    <a:masterClrMapping/>
-  </p:clrMapOvr>
-</p:sld>
-</file>
-
-<file path=ppt/slides/slide28.xml><?xml version="1.0" encoding="utf-8"?>
-<p:sld xmlns:a="http://schemas.openxmlformats.org/drawingml/2006/main" xmlns:r="http://schemas.openxmlformats.org/officeDocument/2006/relationships" xmlns:p="http://schemas.openxmlformats.org/presentationml/2006/main">
-  <p:cSld>
-    <p:spTree>
-      <p:nvGrpSpPr>
-        <p:cNvPr id="1" name=""/>
-        <p:cNvGrpSpPr/>
-        <p:nvPr/>
-      </p:nvGrpSpPr>
-      <p:grpSpPr>
-        <a:xfrm>
-          <a:off x="0" y="0"/>
-          <a:ext cx="0" cy="0"/>
-          <a:chOff x="0" y="0"/>
-          <a:chExt cx="0" cy="0"/>
-        </a:xfrm>
-      </p:grpSpPr>
-      <p:sp>
-        <p:nvSpPr>
-          <p:cNvPr id="2" name="标题 1"/>
-          <p:cNvSpPr>
-            <a:spLocks noGrp="1"/>
-          </p:cNvSpPr>
-          <p:nvPr>
-            <p:ph type="title"/>
-          </p:nvPr>
-        </p:nvSpPr>
-        <p:spPr/>
-        <p:txBody>
-          <a:bodyPr/>
-          <a:lstStyle/>
-          <a:p>
-            <a:r>
-              <a:rPr lang="en-US" altLang="zh-CN" sz="4800" dirty="0"/>
-              <a:t>6.3 </a:t>
-            </a:r>
-            <a:r>
-              <a:rPr lang="en-US" altLang="zh-CN" sz="4800" dirty="0" err="1"/>
-              <a:t>MyEclipse</a:t>
-            </a:r>
-            <a:r>
-              <a:rPr lang="zh-CN" altLang="en-US" sz="4800" dirty="0"/>
-              <a:t>的安装及配置</a:t>
-            </a:r>
-          </a:p>
-        </p:txBody>
-      </p:sp>
-      <p:sp>
-        <p:nvSpPr>
-          <p:cNvPr id="3" name="内容占位符 2"/>
-          <p:cNvSpPr>
-            <a:spLocks noGrp="1"/>
-          </p:cNvSpPr>
-          <p:nvPr>
-            <p:ph idx="1"/>
-          </p:nvPr>
-        </p:nvSpPr>
-        <p:spPr>
-          <a:xfrm>
-            <a:off x="457200" y="1200151"/>
-            <a:ext cx="3538736" cy="3394472"/>
-          </a:xfrm>
-        </p:spPr>
-        <p:txBody>
-          <a:bodyPr>
-            <a:normAutofit/>
-          </a:bodyPr>
-          <a:lstStyle/>
-          <a:p>
-            <a:pPr marL="0" indent="0">
-              <a:buNone/>
-            </a:pPr>
-            <a:r>
-              <a:rPr lang="zh-CN" altLang="en-US" sz="2200" dirty="0">
-                <a:solidFill>
-                  <a:schemeClr val="tx1"/>
-                </a:solidFill>
-                <a:latin typeface="Times New Roman" pitchFamily="18" charset="0"/>
-                <a:cs typeface="Times New Roman" pitchFamily="18" charset="0"/>
-              </a:rPr>
-              <a:t>（</a:t>
-            </a:r>
-            <a:r>
-              <a:rPr lang="en-US" altLang="zh-CN" sz="2200" dirty="0">
-                <a:solidFill>
-                  <a:schemeClr val="tx1"/>
-                </a:solidFill>
-                <a:latin typeface="Times New Roman" pitchFamily="18" charset="0"/>
-                <a:cs typeface="Times New Roman" pitchFamily="18" charset="0"/>
-              </a:rPr>
-              <a:t>9</a:t>
-            </a:r>
-            <a:r>
-              <a:rPr lang="zh-CN" altLang="en-US" sz="2200" dirty="0">
-                <a:solidFill>
-                  <a:schemeClr val="tx1"/>
-                </a:solidFill>
-                <a:latin typeface="Times New Roman" pitchFamily="18" charset="0"/>
-                <a:cs typeface="Times New Roman" pitchFamily="18" charset="0"/>
-              </a:rPr>
-              <a:t>）在目录选择里选择之前安装</a:t>
-            </a:r>
-            <a:r>
-              <a:rPr lang="en-US" altLang="zh-CN" sz="2200" dirty="0">
-                <a:solidFill>
-                  <a:schemeClr val="tx1"/>
-                </a:solidFill>
-                <a:latin typeface="Times New Roman" pitchFamily="18" charset="0"/>
-                <a:cs typeface="Times New Roman" pitchFamily="18" charset="0"/>
-              </a:rPr>
-              <a:t>Tomcat8</a:t>
-            </a:r>
-            <a:r>
-              <a:rPr lang="zh-CN" altLang="en-US" sz="2200" dirty="0">
-                <a:solidFill>
-                  <a:schemeClr val="tx1"/>
-                </a:solidFill>
-                <a:latin typeface="Times New Roman" pitchFamily="18" charset="0"/>
-                <a:cs typeface="Times New Roman" pitchFamily="18" charset="0"/>
-              </a:rPr>
-              <a:t>的目录，并且选择</a:t>
-            </a:r>
-            <a:r>
-              <a:rPr lang="en-US" altLang="zh-CN" sz="2200" dirty="0">
-                <a:solidFill>
-                  <a:schemeClr val="tx1"/>
-                </a:solidFill>
-                <a:latin typeface="Times New Roman" pitchFamily="18" charset="0"/>
-                <a:cs typeface="Times New Roman" pitchFamily="18" charset="0"/>
-              </a:rPr>
-              <a:t>JRE</a:t>
-            </a:r>
-            <a:r>
-              <a:rPr lang="zh-CN" altLang="en-US" sz="2200" dirty="0">
-                <a:solidFill>
-                  <a:schemeClr val="tx1"/>
-                </a:solidFill>
-                <a:latin typeface="Times New Roman" pitchFamily="18" charset="0"/>
-                <a:cs typeface="Times New Roman" pitchFamily="18" charset="0"/>
-              </a:rPr>
-              <a:t>版本，完成配置。</a:t>
-            </a:r>
-            <a:endParaRPr lang="en-US" altLang="zh-CN" sz="2200" dirty="0">
-              <a:solidFill>
-                <a:schemeClr val="tx1"/>
-              </a:solidFill>
-              <a:latin typeface="Times New Roman" pitchFamily="18" charset="0"/>
-              <a:cs typeface="Times New Roman" pitchFamily="18" charset="0"/>
-            </a:endParaRPr>
-          </a:p>
-          <a:p>
-            <a:pPr marL="0" lvl="0" indent="0">
-              <a:buNone/>
-            </a:pPr>
-            <a:endParaRPr lang="en-US" altLang="zh-CN" sz="2000" dirty="0"/>
-          </a:p>
-          <a:p>
-            <a:pPr marL="0" lvl="0" indent="0">
-              <a:buNone/>
-            </a:pPr>
-            <a:endParaRPr lang="en-US" altLang="zh-CN" sz="2000" dirty="0"/>
-          </a:p>
-          <a:p>
-            <a:pPr marL="0" indent="0">
-              <a:buNone/>
-            </a:pPr>
-            <a:endParaRPr lang="zh-CN" altLang="en-US" sz="2000" dirty="0"/>
-          </a:p>
-        </p:txBody>
-      </p:sp>
-      <p:pic>
-        <p:nvPicPr>
-          <p:cNvPr id="30722" name="图片 3" descr="115"/>
-          <p:cNvPicPr>
-            <a:picLocks noChangeAspect="1" noChangeArrowheads="1"/>
-          </p:cNvPicPr>
-          <p:nvPr/>
-        </p:nvPicPr>
-        <p:blipFill>
-          <a:blip r:embed="rId2">
-            <a:extLst>
-              <a:ext uri="{28A0092B-C50C-407E-A947-70E740481C1C}">
-                <a14:useLocalDpi xmlns:a14="http://schemas.microsoft.com/office/drawing/2010/main" val="0"/>
-              </a:ext>
-            </a:extLst>
-          </a:blip>
-          <a:srcRect/>
-          <a:stretch>
-            <a:fillRect/>
-          </a:stretch>
-        </p:blipFill>
-        <p:spPr bwMode="auto">
-          <a:xfrm>
-            <a:off x="4139952" y="1203598"/>
-            <a:ext cx="3940052" cy="3384376"/>
-          </a:xfrm>
-          <a:prstGeom prst="rect">
-            <a:avLst/>
-          </a:prstGeom>
-          <a:noFill/>
-          <a:ln>
-            <a:noFill/>
-          </a:ln>
-          <a:extLst>
-            <a:ext uri="{909E8E84-426E-40DD-AFC4-6F175D3DCCD1}">
-              <a14:hiddenFill xmlns:a14="http://schemas.microsoft.com/office/drawing/2010/main">
-                <a:solidFill>
-                  <a:srgbClr val="FFFFFF"/>
-                </a:solidFill>
-              </a14:hiddenFill>
-            </a:ext>
-            <a:ext uri="{91240B29-F687-4F45-9708-019B960494DF}">
-              <a14:hiddenLine xmlns:a14="http://schemas.microsoft.com/office/drawing/2010/main" w="9525">
-                <a:solidFill>
-                  <a:srgbClr val="000000"/>
-                </a:solidFill>
-                <a:miter lim="800000"/>
-                <a:headEnd/>
-                <a:tailEnd/>
-              </a14:hiddenLine>
-            </a:ext>
-          </a:extLst>
-        </p:spPr>
-      </p:pic>
-    </p:spTree>
-    <p:extLst>
-      <p:ext uri="{BB962C8B-B14F-4D97-AF65-F5344CB8AC3E}">
-        <p14:creationId xmlns:p14="http://schemas.microsoft.com/office/powerpoint/2010/main" val="4162522613"/>
-      </p:ext>
-    </p:extLst>
-  </p:cSld>
-  <p:clrMapOvr>
-    <a:masterClrMapping/>
-  </p:clrMapOvr>
-</p:sld>
-</file>
-
-<file path=ppt/slides/slide29.xml><?xml version="1.0" encoding="utf-8"?>
-<p:sld xmlns:a="http://schemas.openxmlformats.org/drawingml/2006/main" xmlns:r="http://schemas.openxmlformats.org/officeDocument/2006/relationships" xmlns:p="http://schemas.openxmlformats.org/presentationml/2006/main">
-  <p:cSld>
-    <p:spTree>
-      <p:nvGrpSpPr>
-        <p:cNvPr id="1" name=""/>
-        <p:cNvGrpSpPr/>
-        <p:nvPr/>
-      </p:nvGrpSpPr>
-      <p:grpSpPr>
-        <a:xfrm>
-          <a:off x="0" y="0"/>
-          <a:ext cx="0" cy="0"/>
-          <a:chOff x="0" y="0"/>
-          <a:chExt cx="0" cy="0"/>
-        </a:xfrm>
-      </p:grpSpPr>
-      <p:sp>
-        <p:nvSpPr>
-          <p:cNvPr id="2" name="标题 1"/>
-          <p:cNvSpPr>
-            <a:spLocks noGrp="1"/>
-          </p:cNvSpPr>
-          <p:nvPr>
-            <p:ph type="title"/>
-          </p:nvPr>
-        </p:nvSpPr>
-        <p:spPr/>
-        <p:txBody>
-          <a:bodyPr/>
-          <a:lstStyle/>
-          <a:p>
-            <a:r>
-              <a:rPr lang="en-US" altLang="zh-CN" sz="4800" dirty="0"/>
-              <a:t>6.4 Web</a:t>
-            </a:r>
-            <a:r>
-              <a:rPr lang="zh-CN" altLang="en-US" sz="4800" dirty="0"/>
-              <a:t>应用和</a:t>
-            </a:r>
-            <a:r>
-              <a:rPr lang="en-US" altLang="zh-CN" sz="4800" dirty="0"/>
-              <a:t>web.xml</a:t>
-            </a:r>
-            <a:r>
-              <a:rPr lang="zh-CN" altLang="en-US" sz="4800" dirty="0"/>
-              <a:t>文件</a:t>
-            </a:r>
-          </a:p>
-        </p:txBody>
-      </p:sp>
-      <p:sp>
-        <p:nvSpPr>
-          <p:cNvPr id="3" name="内容占位符 2"/>
-          <p:cNvSpPr>
-            <a:spLocks noGrp="1"/>
-          </p:cNvSpPr>
-          <p:nvPr>
-            <p:ph idx="1"/>
-          </p:nvPr>
-        </p:nvSpPr>
-        <p:spPr>
-          <a:xfrm>
-            <a:off x="457200" y="1200151"/>
-            <a:ext cx="8147248" cy="3394472"/>
-          </a:xfrm>
-        </p:spPr>
-        <p:txBody>
-          <a:bodyPr>
-            <a:normAutofit/>
-          </a:bodyPr>
-          <a:lstStyle/>
-          <a:p>
-            <a:r>
-              <a:rPr lang="en-US" altLang="zh-CN" b="1" dirty="0">
-                <a:solidFill>
-                  <a:schemeClr val="tx2"/>
-                </a:solidFill>
-                <a:latin typeface="Times New Roman" pitchFamily="18" charset="0"/>
-                <a:cs typeface="Times New Roman" pitchFamily="18" charset="0"/>
-              </a:rPr>
-              <a:t>Web</a:t>
-            </a:r>
-            <a:r>
-              <a:rPr lang="zh-CN" altLang="en-US" b="1" dirty="0">
-                <a:solidFill>
-                  <a:schemeClr val="tx2"/>
-                </a:solidFill>
-                <a:latin typeface="Times New Roman" pitchFamily="18" charset="0"/>
-                <a:cs typeface="Times New Roman" pitchFamily="18" charset="0"/>
-              </a:rPr>
-              <a:t>应用概述</a:t>
-            </a:r>
-          </a:p>
-          <a:p>
-            <a:pPr marL="0" indent="0">
-              <a:buNone/>
-            </a:pPr>
-            <a:r>
-              <a:rPr lang="en-US" altLang="zh-CN" sz="2200" dirty="0">
-                <a:solidFill>
-                  <a:schemeClr val="tx1"/>
-                </a:solidFill>
-                <a:latin typeface="Times New Roman" pitchFamily="18" charset="0"/>
-                <a:cs typeface="Times New Roman" pitchFamily="18" charset="0"/>
-              </a:rPr>
-              <a:t>Web</a:t>
-            </a:r>
-            <a:r>
-              <a:rPr lang="zh-CN" altLang="en-US" sz="2200" dirty="0">
-                <a:solidFill>
-                  <a:schemeClr val="tx1"/>
-                </a:solidFill>
-                <a:latin typeface="Times New Roman" pitchFamily="18" charset="0"/>
-                <a:cs typeface="Times New Roman" pitchFamily="18" charset="0"/>
-              </a:rPr>
-              <a:t>应用（</a:t>
-            </a:r>
-            <a:r>
-              <a:rPr lang="en-US" altLang="zh-CN" sz="2200" dirty="0">
-                <a:solidFill>
-                  <a:schemeClr val="tx1"/>
-                </a:solidFill>
-                <a:latin typeface="Times New Roman" pitchFamily="18" charset="0"/>
-                <a:cs typeface="Times New Roman" pitchFamily="18" charset="0"/>
-              </a:rPr>
-              <a:t>Web Application</a:t>
-            </a:r>
-            <a:r>
-              <a:rPr lang="zh-CN" altLang="en-US" sz="2200" dirty="0">
-                <a:solidFill>
-                  <a:schemeClr val="tx1"/>
-                </a:solidFill>
-                <a:latin typeface="Times New Roman" pitchFamily="18" charset="0"/>
-                <a:cs typeface="Times New Roman" pitchFamily="18" charset="0"/>
-              </a:rPr>
-              <a:t>），所指的既不是一个真正意义上的</a:t>
-            </a:r>
-            <a:r>
-              <a:rPr lang="en-US" altLang="zh-CN" sz="2200" dirty="0">
-                <a:solidFill>
-                  <a:schemeClr val="tx1"/>
-                </a:solidFill>
-                <a:latin typeface="Times New Roman" pitchFamily="18" charset="0"/>
-                <a:cs typeface="Times New Roman" pitchFamily="18" charset="0"/>
-              </a:rPr>
-              <a:t>Web</a:t>
-            </a:r>
-            <a:r>
-              <a:rPr lang="zh-CN" altLang="en-US" sz="2200" dirty="0">
-                <a:solidFill>
-                  <a:schemeClr val="tx1"/>
-                </a:solidFill>
-                <a:latin typeface="Times New Roman" pitchFamily="18" charset="0"/>
-                <a:cs typeface="Times New Roman" pitchFamily="18" charset="0"/>
-              </a:rPr>
-              <a:t>网站，又不是一个传统的应用程序。它是一些</a:t>
-            </a:r>
-            <a:r>
-              <a:rPr lang="en-US" altLang="zh-CN" sz="2200" dirty="0">
-                <a:solidFill>
-                  <a:schemeClr val="tx1"/>
-                </a:solidFill>
-                <a:latin typeface="Times New Roman" pitchFamily="18" charset="0"/>
-                <a:cs typeface="Times New Roman" pitchFamily="18" charset="0"/>
-              </a:rPr>
-              <a:t>Web</a:t>
-            </a:r>
-            <a:r>
-              <a:rPr lang="zh-CN" altLang="en-US" sz="2200" dirty="0">
-                <a:solidFill>
-                  <a:schemeClr val="tx1"/>
-                </a:solidFill>
-                <a:latin typeface="Times New Roman" pitchFamily="18" charset="0"/>
-                <a:cs typeface="Times New Roman" pitchFamily="18" charset="0"/>
-              </a:rPr>
-              <a:t>网页和用来完成某些任务的其他资源的一个集合。</a:t>
-            </a:r>
-            <a:endParaRPr lang="en-US" altLang="zh-CN" sz="2200" dirty="0">
-              <a:solidFill>
-                <a:schemeClr val="tx1"/>
-              </a:solidFill>
-              <a:latin typeface="Times New Roman" pitchFamily="18" charset="0"/>
-              <a:cs typeface="Times New Roman" pitchFamily="18" charset="0"/>
-            </a:endParaRPr>
-          </a:p>
-          <a:p>
-            <a:pPr marL="0" indent="0">
-              <a:buNone/>
-            </a:pPr>
-            <a:endParaRPr lang="en-US" altLang="zh-CN" sz="2000" dirty="0"/>
-          </a:p>
-          <a:p>
-            <a:pPr marL="0" indent="0">
-              <a:buNone/>
-            </a:pPr>
-            <a:endParaRPr lang="en-US" altLang="zh-CN" sz="2000" dirty="0"/>
-          </a:p>
-          <a:p>
-            <a:pPr marL="0" indent="0">
-              <a:spcBef>
-                <a:spcPts val="2400"/>
-              </a:spcBef>
-              <a:buNone/>
-            </a:pPr>
-            <a:r>
-              <a:rPr lang="en-US" altLang="zh-CN" sz="2200" dirty="0">
-                <a:solidFill>
-                  <a:schemeClr val="tx1"/>
-                </a:solidFill>
-                <a:latin typeface="Times New Roman" pitchFamily="18" charset="0"/>
-                <a:cs typeface="Times New Roman" pitchFamily="18" charset="0"/>
-              </a:rPr>
-              <a:t>Web</a:t>
-            </a:r>
-            <a:r>
-              <a:rPr lang="zh-CN" altLang="en-US" sz="2200" dirty="0">
-                <a:solidFill>
-                  <a:schemeClr val="tx1"/>
-                </a:solidFill>
-                <a:latin typeface="Times New Roman" pitchFamily="18" charset="0"/>
-                <a:cs typeface="Times New Roman" pitchFamily="18" charset="0"/>
-              </a:rPr>
-              <a:t>应用基本目录结构</a:t>
-            </a:r>
-            <a:endParaRPr lang="en-US" altLang="zh-CN" sz="2200" dirty="0">
-              <a:solidFill>
-                <a:schemeClr val="tx1"/>
-              </a:solidFill>
-              <a:latin typeface="Times New Roman" pitchFamily="18" charset="0"/>
-              <a:cs typeface="Times New Roman" pitchFamily="18" charset="0"/>
-            </a:endParaRPr>
-          </a:p>
-          <a:p>
-            <a:pPr marL="0" indent="0">
-              <a:buNone/>
-            </a:pPr>
-            <a:endParaRPr lang="zh-CN" altLang="en-US" sz="2000" dirty="0"/>
-          </a:p>
-          <a:p>
-            <a:pPr marL="0" lvl="0" indent="0">
-              <a:buNone/>
-            </a:pPr>
-            <a:endParaRPr lang="en-US" altLang="zh-CN" sz="2000" dirty="0"/>
-          </a:p>
-          <a:p>
-            <a:pPr marL="0" lvl="0" indent="0">
-              <a:buNone/>
-            </a:pPr>
-            <a:endParaRPr lang="en-US" altLang="zh-CN" sz="2000" dirty="0"/>
-          </a:p>
-          <a:p>
-            <a:pPr marL="0" indent="0">
-              <a:buNone/>
-            </a:pPr>
-            <a:endParaRPr lang="zh-CN" altLang="en-US" sz="2000" dirty="0"/>
-          </a:p>
-        </p:txBody>
-      </p:sp>
-      <p:pic>
-        <p:nvPicPr>
-          <p:cNvPr id="31746" name="对象 153"/>
-          <p:cNvPicPr>
-            <a:picLocks noChangeAspect="1" noChangeArrowheads="1"/>
-          </p:cNvPicPr>
-          <p:nvPr/>
-        </p:nvPicPr>
-        <p:blipFill>
-          <a:blip r:embed="rId2">
-            <a:extLst>
-              <a:ext uri="{28A0092B-C50C-407E-A947-70E740481C1C}">
-                <a14:useLocalDpi xmlns:a14="http://schemas.microsoft.com/office/drawing/2010/main" val="0"/>
-              </a:ext>
-            </a:extLst>
-          </a:blip>
-          <a:srcRect/>
-          <a:stretch>
-            <a:fillRect/>
-          </a:stretch>
-        </p:blipFill>
-        <p:spPr bwMode="auto">
-          <a:xfrm>
-            <a:off x="3203848" y="2571750"/>
-            <a:ext cx="2880320" cy="2272420"/>
-          </a:xfrm>
-          <a:prstGeom prst="rect">
-            <a:avLst/>
-          </a:prstGeom>
-          <a:noFill/>
-          <a:ln>
-            <a:noFill/>
-          </a:ln>
-          <a:extLst>
-            <a:ext uri="{909E8E84-426E-40DD-AFC4-6F175D3DCCD1}">
-              <a14:hiddenFill xmlns:a14="http://schemas.microsoft.com/office/drawing/2010/main">
-                <a:solidFill>
-                  <a:srgbClr val="FFFFFF"/>
-                </a:solidFill>
-              </a14:hiddenFill>
-            </a:ext>
-            <a:ext uri="{91240B29-F687-4F45-9708-019B960494DF}">
-              <a14:hiddenLine xmlns:a14="http://schemas.microsoft.com/office/drawing/2010/main" w="9525">
-                <a:solidFill>
-                  <a:srgbClr val="000000"/>
-                </a:solidFill>
-                <a:miter lim="800000"/>
-                <a:headEnd/>
-                <a:tailEnd/>
-              </a14:hiddenLine>
-            </a:ext>
-          </a:extLst>
-        </p:spPr>
-      </p:pic>
-    </p:spTree>
-    <p:extLst>
-      <p:ext uri="{BB962C8B-B14F-4D97-AF65-F5344CB8AC3E}">
-        <p14:creationId xmlns:p14="http://schemas.microsoft.com/office/powerpoint/2010/main" val="184643345"/>
+        <p14:creationId xmlns:p14="http://schemas.microsoft.com/office/powerpoint/2010/main" val="3709656213"/>
       </p:ext>
     </p:extLst>
   </p:cSld>
@@ -18037,487 +16286,6 @@
     <p:extLst>
       <p:ext uri="{BB962C8B-B14F-4D97-AF65-F5344CB8AC3E}">
         <p14:creationId xmlns:p14="http://schemas.microsoft.com/office/powerpoint/2010/main" val="240981891"/>
-      </p:ext>
-    </p:extLst>
-  </p:cSld>
-  <p:clrMapOvr>
-    <a:masterClrMapping/>
-  </p:clrMapOvr>
-</p:sld>
-</file>
-
-<file path=ppt/slides/slide30.xml><?xml version="1.0" encoding="utf-8"?>
-<p:sld xmlns:a="http://schemas.openxmlformats.org/drawingml/2006/main" xmlns:r="http://schemas.openxmlformats.org/officeDocument/2006/relationships" xmlns:p="http://schemas.openxmlformats.org/presentationml/2006/main">
-  <p:cSld>
-    <p:spTree>
-      <p:nvGrpSpPr>
-        <p:cNvPr id="1" name=""/>
-        <p:cNvGrpSpPr/>
-        <p:nvPr/>
-      </p:nvGrpSpPr>
-      <p:grpSpPr>
-        <a:xfrm>
-          <a:off x="0" y="0"/>
-          <a:ext cx="0" cy="0"/>
-          <a:chOff x="0" y="0"/>
-          <a:chExt cx="0" cy="0"/>
-        </a:xfrm>
-      </p:grpSpPr>
-      <p:sp>
-        <p:nvSpPr>
-          <p:cNvPr id="2" name="标题 1"/>
-          <p:cNvSpPr>
-            <a:spLocks noGrp="1"/>
-          </p:cNvSpPr>
-          <p:nvPr>
-            <p:ph type="title"/>
-          </p:nvPr>
-        </p:nvSpPr>
-        <p:spPr/>
-        <p:txBody>
-          <a:bodyPr/>
-          <a:lstStyle/>
-          <a:p>
-            <a:r>
-              <a:rPr lang="en-US" altLang="zh-CN" sz="4800" dirty="0"/>
-              <a:t>6.4 Web</a:t>
-            </a:r>
-            <a:r>
-              <a:rPr lang="zh-CN" altLang="en-US" sz="4800" dirty="0"/>
-              <a:t>应用和</a:t>
-            </a:r>
-            <a:r>
-              <a:rPr lang="en-US" altLang="zh-CN" sz="4800" dirty="0"/>
-              <a:t>web.xml</a:t>
-            </a:r>
-            <a:r>
-              <a:rPr lang="zh-CN" altLang="en-US" sz="4800" dirty="0"/>
-              <a:t>文件</a:t>
-            </a:r>
-          </a:p>
-        </p:txBody>
-      </p:sp>
-      <p:sp>
-        <p:nvSpPr>
-          <p:cNvPr id="3" name="内容占位符 2"/>
-          <p:cNvSpPr>
-            <a:spLocks noGrp="1"/>
-          </p:cNvSpPr>
-          <p:nvPr>
-            <p:ph idx="1"/>
-          </p:nvPr>
-        </p:nvSpPr>
-        <p:spPr>
-          <a:xfrm>
-            <a:off x="457200" y="1200151"/>
-            <a:ext cx="8147248" cy="3394472"/>
-          </a:xfrm>
-        </p:spPr>
-        <p:txBody>
-          <a:bodyPr>
-            <a:normAutofit/>
-          </a:bodyPr>
-          <a:lstStyle/>
-          <a:p>
-            <a:r>
-              <a:rPr lang="zh-CN" altLang="en-US" sz="2500" b="1" dirty="0">
-                <a:solidFill>
-                  <a:schemeClr val="tx2"/>
-                </a:solidFill>
-                <a:latin typeface="Times New Roman" pitchFamily="18" charset="0"/>
-                <a:cs typeface="Times New Roman" pitchFamily="18" charset="0"/>
-              </a:rPr>
-              <a:t>部署</a:t>
-            </a:r>
-            <a:r>
-              <a:rPr lang="en-US" altLang="zh-CN" sz="2500" b="1" dirty="0">
-                <a:solidFill>
-                  <a:schemeClr val="tx2"/>
-                </a:solidFill>
-                <a:latin typeface="Times New Roman" pitchFamily="18" charset="0"/>
-                <a:cs typeface="Times New Roman" pitchFamily="18" charset="0"/>
-              </a:rPr>
-              <a:t>Web</a:t>
-            </a:r>
-            <a:r>
-              <a:rPr lang="zh-CN" altLang="en-US" sz="2500" b="1" dirty="0">
-                <a:solidFill>
-                  <a:schemeClr val="tx2"/>
-                </a:solidFill>
-                <a:latin typeface="Times New Roman" pitchFamily="18" charset="0"/>
-                <a:cs typeface="Times New Roman" pitchFamily="18" charset="0"/>
-              </a:rPr>
-              <a:t>应用</a:t>
-            </a:r>
-            <a:endParaRPr lang="en-US" altLang="zh-CN" sz="2500" b="1" dirty="0">
-              <a:solidFill>
-                <a:schemeClr val="tx2"/>
-              </a:solidFill>
-              <a:latin typeface="Times New Roman" pitchFamily="18" charset="0"/>
-              <a:cs typeface="Times New Roman" pitchFamily="18" charset="0"/>
-            </a:endParaRPr>
-          </a:p>
-          <a:p>
-            <a:pPr marL="0" indent="0">
-              <a:buNone/>
-            </a:pPr>
-            <a:r>
-              <a:rPr lang="zh-CN" altLang="en-US" sz="2200" dirty="0">
-                <a:solidFill>
-                  <a:schemeClr val="tx1"/>
-                </a:solidFill>
-                <a:latin typeface="Times New Roman" pitchFamily="18" charset="0"/>
-                <a:cs typeface="Times New Roman" pitchFamily="18" charset="0"/>
-              </a:rPr>
-              <a:t>在</a:t>
-            </a:r>
-            <a:r>
-              <a:rPr lang="en-US" altLang="zh-CN" sz="2200" dirty="0">
-                <a:solidFill>
-                  <a:schemeClr val="tx1"/>
-                </a:solidFill>
-                <a:latin typeface="Times New Roman" pitchFamily="18" charset="0"/>
-                <a:cs typeface="Times New Roman" pitchFamily="18" charset="0"/>
-              </a:rPr>
-              <a:t>Tomcat</a:t>
-            </a:r>
-            <a:r>
-              <a:rPr lang="zh-CN" altLang="en-US" sz="2200" dirty="0">
-                <a:solidFill>
-                  <a:schemeClr val="tx1"/>
-                </a:solidFill>
-                <a:latin typeface="Times New Roman" pitchFamily="18" charset="0"/>
-                <a:cs typeface="Times New Roman" pitchFamily="18" charset="0"/>
-              </a:rPr>
-              <a:t>中部署</a:t>
-            </a:r>
-            <a:r>
-              <a:rPr lang="en-US" altLang="zh-CN" sz="2200" dirty="0">
-                <a:solidFill>
-                  <a:schemeClr val="tx1"/>
-                </a:solidFill>
-                <a:latin typeface="Times New Roman" pitchFamily="18" charset="0"/>
-                <a:cs typeface="Times New Roman" pitchFamily="18" charset="0"/>
-              </a:rPr>
-              <a:t>Web</a:t>
-            </a:r>
-            <a:r>
-              <a:rPr lang="zh-CN" altLang="en-US" sz="2200" dirty="0">
-                <a:solidFill>
-                  <a:schemeClr val="tx1"/>
-                </a:solidFill>
-                <a:latin typeface="Times New Roman" pitchFamily="18" charset="0"/>
-                <a:cs typeface="Times New Roman" pitchFamily="18" charset="0"/>
-              </a:rPr>
-              <a:t>应用的方式主要有以下几种：</a:t>
-            </a:r>
-          </a:p>
-          <a:p>
-            <a:pPr marL="0" indent="0">
-              <a:buNone/>
-            </a:pPr>
-            <a:r>
-              <a:rPr lang="en-US" altLang="zh-CN" sz="2200" dirty="0">
-                <a:solidFill>
-                  <a:schemeClr val="tx1"/>
-                </a:solidFill>
-                <a:latin typeface="Times New Roman" pitchFamily="18" charset="0"/>
-                <a:cs typeface="Times New Roman" pitchFamily="18" charset="0"/>
-              </a:rPr>
-              <a:t>1.</a:t>
-            </a:r>
-            <a:r>
-              <a:rPr lang="zh-CN" altLang="en-US" sz="2200" dirty="0">
-                <a:solidFill>
-                  <a:schemeClr val="tx1"/>
-                </a:solidFill>
-                <a:latin typeface="Times New Roman" pitchFamily="18" charset="0"/>
-                <a:cs typeface="Times New Roman" pitchFamily="18" charset="0"/>
-              </a:rPr>
-              <a:t>利用</a:t>
-            </a:r>
-            <a:r>
-              <a:rPr lang="en-US" altLang="zh-CN" sz="2200" dirty="0">
-                <a:solidFill>
-                  <a:schemeClr val="tx1"/>
-                </a:solidFill>
-                <a:latin typeface="Times New Roman" pitchFamily="18" charset="0"/>
-                <a:cs typeface="Times New Roman" pitchFamily="18" charset="0"/>
-              </a:rPr>
-              <a:t>Tomcat</a:t>
-            </a:r>
-            <a:r>
-              <a:rPr lang="zh-CN" altLang="en-US" sz="2200" dirty="0">
-                <a:solidFill>
-                  <a:schemeClr val="tx1"/>
-                </a:solidFill>
-                <a:latin typeface="Times New Roman" pitchFamily="18" charset="0"/>
-                <a:cs typeface="Times New Roman" pitchFamily="18" charset="0"/>
-              </a:rPr>
-              <a:t>的自动部署</a:t>
-            </a:r>
-            <a:endParaRPr lang="en-US" altLang="zh-CN" sz="2200" dirty="0">
-              <a:solidFill>
-                <a:schemeClr val="tx1"/>
-              </a:solidFill>
-              <a:latin typeface="Times New Roman" pitchFamily="18" charset="0"/>
-              <a:cs typeface="Times New Roman" pitchFamily="18" charset="0"/>
-            </a:endParaRPr>
-          </a:p>
-          <a:p>
-            <a:pPr marL="0" indent="0">
-              <a:buNone/>
-            </a:pPr>
-            <a:r>
-              <a:rPr lang="en-US" altLang="zh-CN" sz="2200" dirty="0">
-                <a:solidFill>
-                  <a:schemeClr val="tx1"/>
-                </a:solidFill>
-                <a:latin typeface="Times New Roman" pitchFamily="18" charset="0"/>
-                <a:cs typeface="Times New Roman" pitchFamily="18" charset="0"/>
-              </a:rPr>
-              <a:t>2.</a:t>
-            </a:r>
-            <a:r>
-              <a:rPr lang="zh-CN" altLang="en-US" sz="2200" dirty="0">
-                <a:solidFill>
-                  <a:schemeClr val="tx1"/>
-                </a:solidFill>
-                <a:latin typeface="Times New Roman" pitchFamily="18" charset="0"/>
-                <a:cs typeface="Times New Roman" pitchFamily="18" charset="0"/>
-              </a:rPr>
-              <a:t>利用控制台的部署</a:t>
-            </a:r>
-            <a:endParaRPr lang="en-US" altLang="zh-CN" sz="2200" dirty="0">
-              <a:solidFill>
-                <a:schemeClr val="tx1"/>
-              </a:solidFill>
-              <a:latin typeface="Times New Roman" pitchFamily="18" charset="0"/>
-              <a:cs typeface="Times New Roman" pitchFamily="18" charset="0"/>
-            </a:endParaRPr>
-          </a:p>
-          <a:p>
-            <a:pPr marL="0" indent="0">
-              <a:buNone/>
-            </a:pPr>
-            <a:r>
-              <a:rPr lang="en-US" altLang="zh-CN" sz="2200" dirty="0">
-                <a:solidFill>
-                  <a:schemeClr val="tx1"/>
-                </a:solidFill>
-                <a:latin typeface="Times New Roman" pitchFamily="18" charset="0"/>
-                <a:cs typeface="Times New Roman" pitchFamily="18" charset="0"/>
-              </a:rPr>
-              <a:t>3.</a:t>
-            </a:r>
-            <a:r>
-              <a:rPr lang="zh-CN" altLang="en-US" sz="2200" dirty="0">
-                <a:solidFill>
-                  <a:schemeClr val="tx1"/>
-                </a:solidFill>
-                <a:latin typeface="Times New Roman" pitchFamily="18" charset="0"/>
-                <a:cs typeface="Times New Roman" pitchFamily="18" charset="0"/>
-              </a:rPr>
-              <a:t>增加自定义的</a:t>
-            </a:r>
-            <a:r>
-              <a:rPr lang="en-US" altLang="zh-CN" sz="2200" dirty="0">
-                <a:solidFill>
-                  <a:schemeClr val="tx1"/>
-                </a:solidFill>
-                <a:latin typeface="Times New Roman" pitchFamily="18" charset="0"/>
-                <a:cs typeface="Times New Roman" pitchFamily="18" charset="0"/>
-              </a:rPr>
-              <a:t>Web</a:t>
-            </a:r>
-            <a:r>
-              <a:rPr lang="zh-CN" altLang="en-US" sz="2200" dirty="0">
-                <a:solidFill>
-                  <a:schemeClr val="tx1"/>
-                </a:solidFill>
-                <a:latin typeface="Times New Roman" pitchFamily="18" charset="0"/>
-                <a:cs typeface="Times New Roman" pitchFamily="18" charset="0"/>
-              </a:rPr>
-              <a:t>部署文件</a:t>
-            </a:r>
-            <a:endParaRPr lang="en-US" altLang="zh-CN" sz="2200" dirty="0">
-              <a:solidFill>
-                <a:schemeClr val="tx1"/>
-              </a:solidFill>
-              <a:latin typeface="Times New Roman" pitchFamily="18" charset="0"/>
-              <a:cs typeface="Times New Roman" pitchFamily="18" charset="0"/>
-            </a:endParaRPr>
-          </a:p>
-          <a:p>
-            <a:pPr marL="0" indent="0">
-              <a:buNone/>
-            </a:pPr>
-            <a:r>
-              <a:rPr lang="en-US" altLang="zh-CN" sz="2200" dirty="0">
-                <a:solidFill>
-                  <a:schemeClr val="tx1"/>
-                </a:solidFill>
-                <a:latin typeface="Times New Roman" pitchFamily="18" charset="0"/>
-                <a:cs typeface="Times New Roman" pitchFamily="18" charset="0"/>
-              </a:rPr>
-              <a:t>4.</a:t>
-            </a:r>
-            <a:r>
-              <a:rPr lang="zh-CN" altLang="en-US" sz="2200" dirty="0">
-                <a:solidFill>
-                  <a:schemeClr val="tx1"/>
-                </a:solidFill>
-                <a:latin typeface="Times New Roman" pitchFamily="18" charset="0"/>
-                <a:cs typeface="Times New Roman" pitchFamily="18" charset="0"/>
-              </a:rPr>
-              <a:t>修改</a:t>
-            </a:r>
-            <a:r>
-              <a:rPr lang="en-US" altLang="zh-CN" sz="2200" dirty="0">
-                <a:solidFill>
-                  <a:schemeClr val="tx1"/>
-                </a:solidFill>
-                <a:latin typeface="Times New Roman" pitchFamily="18" charset="0"/>
-                <a:cs typeface="Times New Roman" pitchFamily="18" charset="0"/>
-              </a:rPr>
-              <a:t>server.xml</a:t>
-            </a:r>
-            <a:r>
-              <a:rPr lang="zh-CN" altLang="en-US" sz="2200" dirty="0">
-                <a:solidFill>
-                  <a:schemeClr val="tx1"/>
-                </a:solidFill>
-                <a:latin typeface="Times New Roman" pitchFamily="18" charset="0"/>
-                <a:cs typeface="Times New Roman" pitchFamily="18" charset="0"/>
-              </a:rPr>
-              <a:t>文件部署</a:t>
-            </a:r>
-            <a:r>
-              <a:rPr lang="en-US" altLang="zh-CN" sz="2200" dirty="0">
-                <a:solidFill>
-                  <a:schemeClr val="tx1"/>
-                </a:solidFill>
-                <a:latin typeface="Times New Roman" pitchFamily="18" charset="0"/>
-                <a:cs typeface="Times New Roman" pitchFamily="18" charset="0"/>
-              </a:rPr>
-              <a:t>Web</a:t>
-            </a:r>
-            <a:r>
-              <a:rPr lang="zh-CN" altLang="en-US" sz="2200" dirty="0">
-                <a:solidFill>
-                  <a:schemeClr val="tx1"/>
-                </a:solidFill>
-                <a:latin typeface="Times New Roman" pitchFamily="18" charset="0"/>
-                <a:cs typeface="Times New Roman" pitchFamily="18" charset="0"/>
-              </a:rPr>
-              <a:t>应用</a:t>
-            </a:r>
-          </a:p>
-          <a:p>
-            <a:pPr marL="0" indent="0">
-              <a:buNone/>
-            </a:pPr>
-            <a:endParaRPr lang="en-US" altLang="zh-CN" sz="2000" dirty="0"/>
-          </a:p>
-          <a:p>
-            <a:pPr marL="0" lvl="0" indent="0">
-              <a:buNone/>
-            </a:pPr>
-            <a:endParaRPr lang="en-US" altLang="zh-CN" sz="2000" dirty="0"/>
-          </a:p>
-          <a:p>
-            <a:pPr marL="0" indent="0">
-              <a:buNone/>
-            </a:pPr>
-            <a:endParaRPr lang="zh-CN" altLang="en-US" sz="2000" dirty="0"/>
-          </a:p>
-        </p:txBody>
-      </p:sp>
-    </p:spTree>
-    <p:extLst>
-      <p:ext uri="{BB962C8B-B14F-4D97-AF65-F5344CB8AC3E}">
-        <p14:creationId xmlns:p14="http://schemas.microsoft.com/office/powerpoint/2010/main" val="3867965682"/>
-      </p:ext>
-    </p:extLst>
-  </p:cSld>
-  <p:clrMapOvr>
-    <a:masterClrMapping/>
-  </p:clrMapOvr>
-</p:sld>
-</file>
-
-<file path=ppt/slides/slide31.xml><?xml version="1.0" encoding="utf-8"?>
-<p:sld xmlns:a="http://schemas.openxmlformats.org/drawingml/2006/main" xmlns:r="http://schemas.openxmlformats.org/officeDocument/2006/relationships" xmlns:p="http://schemas.openxmlformats.org/presentationml/2006/main">
-  <p:cSld>
-    <p:spTree>
-      <p:nvGrpSpPr>
-        <p:cNvPr id="1" name=""/>
-        <p:cNvGrpSpPr/>
-        <p:nvPr/>
-      </p:nvGrpSpPr>
-      <p:grpSpPr>
-        <a:xfrm>
-          <a:off x="0" y="0"/>
-          <a:ext cx="0" cy="0"/>
-          <a:chOff x="0" y="0"/>
-          <a:chExt cx="0" cy="0"/>
-        </a:xfrm>
-      </p:grpSpPr>
-      <p:sp>
-        <p:nvSpPr>
-          <p:cNvPr id="2" name="标题 1"/>
-          <p:cNvSpPr>
-            <a:spLocks noGrp="1"/>
-          </p:cNvSpPr>
-          <p:nvPr>
-            <p:ph type="title"/>
-          </p:nvPr>
-        </p:nvSpPr>
-        <p:spPr/>
-        <p:txBody>
-          <a:bodyPr/>
-          <a:lstStyle/>
-          <a:p>
-            <a:r>
-              <a:rPr lang="en-US" altLang="zh-CN" sz="4800" dirty="0"/>
-              <a:t>6.5 </a:t>
-            </a:r>
-            <a:r>
-              <a:rPr lang="zh-CN" altLang="en-US" sz="4800" dirty="0"/>
-              <a:t>思考题</a:t>
-            </a:r>
-          </a:p>
-        </p:txBody>
-      </p:sp>
-      <p:graphicFrame>
-        <p:nvGraphicFramePr>
-          <p:cNvPr id="5" name="内容占位符 4"/>
-          <p:cNvGraphicFramePr>
-            <a:graphicFrameLocks noGrp="1"/>
-          </p:cNvGraphicFramePr>
-          <p:nvPr>
-            <p:ph idx="1"/>
-            <p:extLst>
-              <p:ext uri="{D42A27DB-BD31-4B8C-83A1-F6EECF244321}">
-                <p14:modId xmlns:p14="http://schemas.microsoft.com/office/powerpoint/2010/main" val="1690522573"/>
-              </p:ext>
-            </p:extLst>
-          </p:nvPr>
-        </p:nvGraphicFramePr>
-        <p:xfrm>
-          <a:off x="527875" y="1275606"/>
-          <a:ext cx="8229600" cy="3384376"/>
-        </p:xfrm>
-        <a:graphic>
-          <a:graphicData uri="http://schemas.openxmlformats.org/drawingml/2006/diagram">
-            <dgm:relIds xmlns:dgm="http://schemas.openxmlformats.org/drawingml/2006/diagram" xmlns:r="http://schemas.openxmlformats.org/officeDocument/2006/relationships" r:dm="rId2" r:lo="rId3" r:qs="rId4" r:cs="rId5"/>
-          </a:graphicData>
-        </a:graphic>
-      </p:graphicFrame>
-    </p:spTree>
-    <p:extLst>
-      <p:ext uri="{BB962C8B-B14F-4D97-AF65-F5344CB8AC3E}">
-        <p14:creationId xmlns:p14="http://schemas.microsoft.com/office/powerpoint/2010/main" val="3709656213"/>
       </p:ext>
     </p:extLst>
   </p:cSld>

--- a/JSP PPT/第06章 开发运行环境.pptx
+++ b/JSP PPT/第06章 开发运行环境.pptx
@@ -6726,7 +6726,7 @@
           <a:p>
             <a:fld id="{47A6EDB1-D80D-46F5-B957-53D48CA4700D}" type="datetimeFigureOut">
               <a:rPr lang="zh-CN" altLang="en-US" smtClean="0"/>
-              <a:t>2019/10/15</a:t>
+              <a:t>2019/10/24</a:t>
             </a:fld>
             <a:endParaRPr lang="zh-CN" altLang="en-US"/>
           </a:p>
@@ -7269,7 +7269,7 @@
           <a:p>
             <a:fld id="{530820CF-B880-4189-942D-D702A7CBA730}" type="datetimeFigureOut">
               <a:rPr lang="zh-CN" altLang="en-US" smtClean="0"/>
-              <a:t>2019/10/15</a:t>
+              <a:t>2019/10/24</a:t>
             </a:fld>
             <a:endParaRPr lang="zh-CN" altLang="en-US"/>
           </a:p>
@@ -7434,7 +7434,7 @@
           <a:p>
             <a:fld id="{530820CF-B880-4189-942D-D702A7CBA730}" type="datetimeFigureOut">
               <a:rPr lang="zh-CN" altLang="en-US" smtClean="0"/>
-              <a:t>2019/10/15</a:t>
+              <a:t>2019/10/24</a:t>
             </a:fld>
             <a:endParaRPr lang="zh-CN" altLang="en-US"/>
           </a:p>
@@ -7609,7 +7609,7 @@
           <a:p>
             <a:fld id="{530820CF-B880-4189-942D-D702A7CBA730}" type="datetimeFigureOut">
               <a:rPr lang="zh-CN" altLang="en-US" smtClean="0"/>
-              <a:t>2019/10/15</a:t>
+              <a:t>2019/10/24</a:t>
             </a:fld>
             <a:endParaRPr lang="zh-CN" altLang="en-US"/>
           </a:p>
@@ -7792,7 +7792,7 @@
           <a:p>
             <a:fld id="{530820CF-B880-4189-942D-D702A7CBA730}" type="datetimeFigureOut">
               <a:rPr lang="zh-CN" altLang="en-US" smtClean="0"/>
-              <a:t>2019/10/15</a:t>
+              <a:t>2019/10/24</a:t>
             </a:fld>
             <a:endParaRPr lang="zh-CN" altLang="en-US"/>
           </a:p>
@@ -8054,7 +8054,7 @@
           <a:p>
             <a:fld id="{530820CF-B880-4189-942D-D702A7CBA730}" type="datetimeFigureOut">
               <a:rPr lang="zh-CN" altLang="en-US" smtClean="0"/>
-              <a:t>2019/10/15</a:t>
+              <a:t>2019/10/24</a:t>
             </a:fld>
             <a:endParaRPr lang="zh-CN" altLang="en-US"/>
           </a:p>
@@ -8402,7 +8402,7 @@
           <a:p>
             <a:fld id="{530820CF-B880-4189-942D-D702A7CBA730}" type="datetimeFigureOut">
               <a:rPr lang="zh-CN" altLang="en-US" smtClean="0"/>
-              <a:t>2019/10/15</a:t>
+              <a:t>2019/10/24</a:t>
             </a:fld>
             <a:endParaRPr lang="zh-CN" altLang="en-US"/>
           </a:p>
@@ -8710,7 +8710,7 @@
           <a:p>
             <a:fld id="{530820CF-B880-4189-942D-D702A7CBA730}" type="datetimeFigureOut">
               <a:rPr lang="zh-CN" altLang="en-US" smtClean="0"/>
-              <a:t>2019/10/15</a:t>
+              <a:t>2019/10/24</a:t>
             </a:fld>
             <a:endParaRPr lang="zh-CN" altLang="en-US"/>
           </a:p>
@@ -8937,7 +8937,7 @@
           <a:p>
             <a:fld id="{530820CF-B880-4189-942D-D702A7CBA730}" type="datetimeFigureOut">
               <a:rPr lang="zh-CN" altLang="en-US" smtClean="0"/>
-              <a:t>2019/10/15</a:t>
+              <a:t>2019/10/24</a:t>
             </a:fld>
             <a:endParaRPr lang="zh-CN" altLang="en-US"/>
           </a:p>
@@ -9027,7 +9027,7 @@
           <a:p>
             <a:fld id="{530820CF-B880-4189-942D-D702A7CBA730}" type="datetimeFigureOut">
               <a:rPr lang="zh-CN" altLang="en-US" smtClean="0"/>
-              <a:t>2019/10/15</a:t>
+              <a:t>2019/10/24</a:t>
             </a:fld>
             <a:endParaRPr lang="zh-CN" altLang="en-US"/>
           </a:p>
@@ -9315,7 +9315,7 @@
           <a:p>
             <a:fld id="{530820CF-B880-4189-942D-D702A7CBA730}" type="datetimeFigureOut">
               <a:rPr lang="zh-CN" altLang="en-US" smtClean="0"/>
-              <a:t>2019/10/15</a:t>
+              <a:t>2019/10/24</a:t>
             </a:fld>
             <a:endParaRPr lang="zh-CN" altLang="en-US"/>
           </a:p>
@@ -9584,7 +9584,7 @@
           <a:p>
             <a:fld id="{530820CF-B880-4189-942D-D702A7CBA730}" type="datetimeFigureOut">
               <a:rPr lang="zh-CN" altLang="en-US" smtClean="0"/>
-              <a:t>2019/10/15</a:t>
+              <a:t>2019/10/24</a:t>
             </a:fld>
             <a:endParaRPr lang="zh-CN" altLang="en-US"/>
           </a:p>
@@ -9794,7 +9794,7 @@
           <a:p>
             <a:fld id="{530820CF-B880-4189-942D-D702A7CBA730}" type="datetimeFigureOut">
               <a:rPr lang="zh-CN" altLang="en-US" smtClean="0"/>
-              <a:t>2019/10/15</a:t>
+              <a:t>2019/10/24</a:t>
             </a:fld>
             <a:endParaRPr lang="zh-CN" altLang="en-US"/>
           </a:p>
@@ -10314,7 +10314,13 @@
       </p:grpSpPr>
       <p:sp>
         <p:nvSpPr>
-          <p:cNvPr id="2" name="标题 1"/>
+          <p:cNvPr id="11" name="标题 1">
+            <a:extLst>
+              <a:ext uri="{FF2B5EF4-FFF2-40B4-BE49-F238E27FC236}">
+                <a16:creationId xmlns:a16="http://schemas.microsoft.com/office/drawing/2014/main" id="{3AA99902-A5B5-4A81-9EC3-CC6D4FBFB218}"/>
+              </a:ext>
+            </a:extLst>
+          </p:cNvPr>
           <p:cNvSpPr>
             <a:spLocks noGrp="1"/>
           </p:cNvSpPr>
@@ -10333,24 +10339,23 @@
           <a:lstStyle/>
           <a:p>
             <a:r>
-              <a:rPr lang="en-US" altLang="zh-CN" sz="3600" dirty="0"/>
-              <a:t>《</a:t>
-            </a:r>
-            <a:r>
-              <a:rPr lang="zh-CN" altLang="en-US" sz="3600" dirty="0"/>
+              <a:rPr lang="zh-CN" altLang="en-US" sz="4400" dirty="0">
+                <a:latin typeface="+mj-ea"/>
+              </a:rPr>
               <a:t>商务网站设计与开发</a:t>
             </a:r>
-            <a:r>
-              <a:rPr lang="en-US" altLang="zh-CN" sz="3600" dirty="0"/>
-              <a:t>》</a:t>
-            </a:r>
-            <a:endParaRPr lang="zh-CN" altLang="en-US" sz="3600" dirty="0"/>
           </a:p>
         </p:txBody>
       </p:sp>
       <p:sp>
         <p:nvSpPr>
-          <p:cNvPr id="3" name="副标题 2"/>
+          <p:cNvPr id="12" name="副标题 2">
+            <a:extLst>
+              <a:ext uri="{FF2B5EF4-FFF2-40B4-BE49-F238E27FC236}">
+                <a16:creationId xmlns:a16="http://schemas.microsoft.com/office/drawing/2014/main" id="{6015F400-2473-4940-8D71-0E13A412E7E1}"/>
+              </a:ext>
+            </a:extLst>
+          </p:cNvPr>
           <p:cNvSpPr>
             <a:spLocks noGrp="1"/>
           </p:cNvSpPr>
@@ -10358,33 +10363,68 @@
             <p:ph type="subTitle" idx="1"/>
           </p:nvPr>
         </p:nvSpPr>
-        <p:spPr/>
+        <p:spPr>
+          <a:xfrm>
+            <a:off x="1371600" y="3505072"/>
+            <a:ext cx="6400800" cy="596458"/>
+          </a:xfrm>
+        </p:spPr>
         <p:txBody>
           <a:bodyPr>
-            <a:normAutofit fontScale="77500" lnSpcReduction="20000"/>
+            <a:normAutofit/>
           </a:bodyPr>
           <a:lstStyle/>
           <a:p>
-            <a:r>
-              <a:rPr lang="zh-CN" altLang="en-US" dirty="0"/>
-              <a:t>温浩宇  李慧</a:t>
-            </a:r>
-            <a:endParaRPr lang="en-US" altLang="zh-CN" dirty="0"/>
-          </a:p>
-          <a:p>
-            <a:endParaRPr lang="en-US" altLang="zh-CN" dirty="0"/>
-          </a:p>
-          <a:p>
-            <a:r>
-              <a:rPr lang="zh-CN" altLang="en-US" dirty="0"/>
-              <a:t>西安电子科技大学</a:t>
-            </a:r>
+            <a:pPr>
+              <a:spcBef>
+                <a:spcPct val="0"/>
+              </a:spcBef>
+            </a:pPr>
+            <a:r>
+              <a:rPr lang="zh-CN" altLang="en-US" sz="3200" dirty="0">
+                <a:solidFill>
+                  <a:schemeClr val="tx2"/>
+                </a:solidFill>
+                <a:effectLst>
+                  <a:outerShdw blurRad="63500" dist="38100" dir="5400000" algn="t" rotWithShape="0">
+                    <a:prstClr val="black">
+                      <a:alpha val="25000"/>
+                    </a:prstClr>
+                  </a:outerShdw>
+                </a:effectLst>
+                <a:latin typeface="+mj-ea"/>
+                <a:ea typeface="+mj-ea"/>
+                <a:cs typeface="+mj-cs"/>
+              </a:rPr>
+              <a:t>温浩宇</a:t>
+            </a:r>
+            <a:endParaRPr lang="zh-CN" altLang="en-US" sz="3600" dirty="0">
+              <a:solidFill>
+                <a:schemeClr val="tx2"/>
+              </a:solidFill>
+              <a:effectLst>
+                <a:outerShdw blurRad="63500" dist="38100" dir="5400000" algn="t" rotWithShape="0">
+                  <a:prstClr val="black">
+                    <a:alpha val="25000"/>
+                  </a:prstClr>
+                </a:outerShdw>
+              </a:effectLst>
+              <a:latin typeface="+mj-ea"/>
+              <a:ea typeface="+mj-ea"/>
+              <a:cs typeface="+mj-cs"/>
+            </a:endParaRPr>
           </a:p>
         </p:txBody>
       </p:sp>
       <p:pic>
         <p:nvPicPr>
-          <p:cNvPr id="2051" name="Picture 3"/>
+          <p:cNvPr id="13" name="Picture 3">
+            <a:extLst>
+              <a:ext uri="{FF2B5EF4-FFF2-40B4-BE49-F238E27FC236}">
+                <a16:creationId xmlns:a16="http://schemas.microsoft.com/office/drawing/2014/main" id="{85E91B03-3EC4-4FD0-916C-6DC47BF31079}"/>
+              </a:ext>
+            </a:extLst>
+          </p:cNvPr>
           <p:cNvPicPr>
             <a:picLocks noChangeAspect="1" noChangeArrowheads="1"/>
           </p:cNvPicPr>
@@ -10405,7 +10445,7 @@
         </p:blipFill>
         <p:spPr bwMode="auto">
           <a:xfrm>
-            <a:off x="3440155" y="1723319"/>
+            <a:off x="3203848" y="2225080"/>
             <a:ext cx="792815" cy="1080120"/>
           </a:xfrm>
           <a:prstGeom prst="rect">
@@ -10438,7 +10478,13 @@
       </p:pic>
       <p:sp>
         <p:nvSpPr>
-          <p:cNvPr id="6" name="标题 1"/>
+          <p:cNvPr id="14" name="标题 1">
+            <a:extLst>
+              <a:ext uri="{FF2B5EF4-FFF2-40B4-BE49-F238E27FC236}">
+                <a16:creationId xmlns:a16="http://schemas.microsoft.com/office/drawing/2014/main" id="{C5D01346-E153-4409-8D3A-5CBBEEADB9FD}"/>
+              </a:ext>
+            </a:extLst>
+          </p:cNvPr>
           <p:cNvSpPr txBox="1">
             <a:spLocks/>
           </p:cNvSpPr>
@@ -10446,7 +10492,7 @@
         </p:nvSpPr>
         <p:spPr>
           <a:xfrm>
-            <a:off x="683568" y="3003798"/>
+            <a:off x="685800" y="1428750"/>
             <a:ext cx="7772400" cy="596458"/>
           </a:xfrm>
           <a:prstGeom prst="rect">
@@ -10485,30 +10531,38 @@
           </a:lstStyle>
           <a:p>
             <a:r>
-              <a:rPr lang="zh-CN" altLang="en-US" sz="3600" dirty="0"/>
+              <a:rPr lang="zh-CN" altLang="en-US" sz="3200" dirty="0">
+                <a:latin typeface="+mj-ea"/>
+              </a:rPr>
               <a:t>第</a:t>
             </a:r>
             <a:r>
-              <a:rPr lang="en-US" altLang="zh-CN" sz="3600" dirty="0"/>
+              <a:rPr lang="en-US" altLang="zh-CN" sz="3200" dirty="0">
+                <a:latin typeface="+mj-ea"/>
+              </a:rPr>
               <a:t>6</a:t>
             </a:r>
             <a:r>
-              <a:rPr lang="zh-CN" altLang="en-US" sz="3600" dirty="0"/>
-              <a:t>章 </a:t>
-            </a:r>
-            <a:r>
-              <a:rPr lang="zh-CN" altLang="zh-CN" sz="3600" b="1" dirty="0">
-                <a:effectLst/>
-              </a:rPr>
-              <a:t>开发运行环境</a:t>
-            </a:r>
-            <a:endParaRPr lang="zh-CN" altLang="en-US" sz="3600" dirty="0"/>
+              <a:rPr lang="zh-CN" altLang="en-US" sz="3200">
+                <a:latin typeface="+mj-ea"/>
+              </a:rPr>
+              <a:t>章 开发运行环境</a:t>
+            </a:r>
+            <a:endParaRPr lang="zh-CN" altLang="en-US" sz="3200" dirty="0">
+              <a:latin typeface="+mj-ea"/>
+            </a:endParaRPr>
           </a:p>
         </p:txBody>
       </p:sp>
       <p:pic>
         <p:nvPicPr>
-          <p:cNvPr id="7" name="Picture 2" descr="https://timgsa.baidu.com/timg?image&amp;quality=80&amp;size=b9999_10000&amp;sec=1493707801922&amp;di=a778f19d7f0d1e13a6f35b73b9469273&amp;imgtype=0&amp;src=http%3A%2F%2Fpic.baike.soso.com%2Fp%2F20120826%2Fbki-20120826090810-1627753076.jpg"/>
+          <p:cNvPr id="15" name="Picture 2" descr="https://timgsa.baidu.com/timg?image&amp;quality=80&amp;size=b9999_10000&amp;sec=1493707801922&amp;di=a778f19d7f0d1e13a6f35b73b9469273&amp;imgtype=0&amp;src=http%3A%2F%2Fpic.baike.soso.com%2Fp%2F20120826%2Fbki-20120826090810-1627753076.jpg">
+            <a:extLst>
+              <a:ext uri="{FF2B5EF4-FFF2-40B4-BE49-F238E27FC236}">
+                <a16:creationId xmlns:a16="http://schemas.microsoft.com/office/drawing/2014/main" id="{EA96AFFF-3A68-433D-9B31-137C132FE0FB}"/>
+              </a:ext>
+            </a:extLst>
+          </p:cNvPr>
           <p:cNvPicPr>
             <a:picLocks noChangeAspect="1" noChangeArrowheads="1"/>
           </p:cNvPicPr>
@@ -10529,7 +10583,7 @@
         </p:blipFill>
         <p:spPr bwMode="auto">
           <a:xfrm>
-            <a:off x="4860032" y="1636161"/>
+            <a:off x="4788024" y="2137922"/>
             <a:ext cx="1254435" cy="1254435"/>
           </a:xfrm>
           <a:prstGeom prst="rect">
@@ -10547,6 +10601,215 @@
           </a:extLst>
         </p:spPr>
       </p:pic>
+      <p:sp>
+        <p:nvSpPr>
+          <p:cNvPr id="16" name="副标题 2">
+            <a:extLst>
+              <a:ext uri="{FF2B5EF4-FFF2-40B4-BE49-F238E27FC236}">
+                <a16:creationId xmlns:a16="http://schemas.microsoft.com/office/drawing/2014/main" id="{65A23FEB-AC30-466D-A0AE-9273E684EE91}"/>
+              </a:ext>
+            </a:extLst>
+          </p:cNvPr>
+          <p:cNvSpPr txBox="1">
+            <a:spLocks/>
+          </p:cNvSpPr>
+          <p:nvPr/>
+        </p:nvSpPr>
+        <p:spPr>
+          <a:xfrm>
+            <a:off x="1371600" y="4169278"/>
+            <a:ext cx="6400800" cy="641426"/>
+          </a:xfrm>
+          <a:prstGeom prst="rect">
+            <a:avLst/>
+          </a:prstGeom>
+        </p:spPr>
+        <p:txBody>
+          <a:bodyPr vert="horz" lIns="91440" tIns="45720" rIns="91440" bIns="45720" rtlCol="0">
+            <a:normAutofit/>
+          </a:bodyPr>
+          <a:lstStyle>
+            <a:lvl1pPr marL="0" indent="0" algn="ctr" defTabSz="914400" rtl="0" eaLnBrk="1" latinLnBrk="0" hangingPunct="1">
+              <a:spcBef>
+                <a:spcPct val="20000"/>
+              </a:spcBef>
+              <a:buFont typeface="Arial" pitchFamily="34" charset="0"/>
+              <a:buNone/>
+              <a:defRPr sz="2400" kern="1200">
+                <a:solidFill>
+                  <a:schemeClr val="tx1">
+                    <a:tint val="75000"/>
+                  </a:schemeClr>
+                </a:solidFill>
+                <a:latin typeface="+mj-lt"/>
+                <a:ea typeface="+mn-ea"/>
+                <a:cs typeface="+mn-cs"/>
+              </a:defRPr>
+            </a:lvl1pPr>
+            <a:lvl2pPr marL="457200" indent="0" algn="ctr" defTabSz="914400" rtl="0" eaLnBrk="1" latinLnBrk="0" hangingPunct="1">
+              <a:spcBef>
+                <a:spcPct val="20000"/>
+              </a:spcBef>
+              <a:buFont typeface="Courier New" pitchFamily="49" charset="0"/>
+              <a:buNone/>
+              <a:defRPr sz="1600" kern="1200">
+                <a:solidFill>
+                  <a:schemeClr val="tx1">
+                    <a:tint val="75000"/>
+                  </a:schemeClr>
+                </a:solidFill>
+                <a:latin typeface="+mj-lt"/>
+                <a:ea typeface="+mn-ea"/>
+                <a:cs typeface="+mn-cs"/>
+              </a:defRPr>
+            </a:lvl2pPr>
+            <a:lvl3pPr marL="914400" indent="0" algn="ctr" defTabSz="914400" rtl="0" eaLnBrk="1" latinLnBrk="0" hangingPunct="1">
+              <a:spcBef>
+                <a:spcPct val="20000"/>
+              </a:spcBef>
+              <a:buFont typeface="Arial" pitchFamily="34" charset="0"/>
+              <a:buNone/>
+              <a:defRPr sz="1600" kern="1200">
+                <a:solidFill>
+                  <a:schemeClr val="tx1">
+                    <a:tint val="75000"/>
+                  </a:schemeClr>
+                </a:solidFill>
+                <a:latin typeface="+mj-lt"/>
+                <a:ea typeface="+mn-ea"/>
+                <a:cs typeface="+mn-cs"/>
+              </a:defRPr>
+            </a:lvl3pPr>
+            <a:lvl4pPr marL="1371600" indent="0" algn="ctr" defTabSz="914400" rtl="0" eaLnBrk="1" latinLnBrk="0" hangingPunct="1">
+              <a:spcBef>
+                <a:spcPct val="20000"/>
+              </a:spcBef>
+              <a:buFont typeface="Courier New" pitchFamily="49" charset="0"/>
+              <a:buNone/>
+              <a:defRPr sz="1600" kern="1200">
+                <a:solidFill>
+                  <a:schemeClr val="tx1">
+                    <a:tint val="75000"/>
+                  </a:schemeClr>
+                </a:solidFill>
+                <a:latin typeface="+mj-lt"/>
+                <a:ea typeface="+mn-ea"/>
+                <a:cs typeface="+mn-cs"/>
+              </a:defRPr>
+            </a:lvl4pPr>
+            <a:lvl5pPr marL="1828800" indent="0" algn="ctr" defTabSz="914400" rtl="0" eaLnBrk="1" latinLnBrk="0" hangingPunct="1">
+              <a:spcBef>
+                <a:spcPct val="20000"/>
+              </a:spcBef>
+              <a:buFont typeface="Arial" pitchFamily="34" charset="0"/>
+              <a:buNone/>
+              <a:defRPr sz="1600" kern="1200">
+                <a:solidFill>
+                  <a:schemeClr val="tx1">
+                    <a:tint val="75000"/>
+                  </a:schemeClr>
+                </a:solidFill>
+                <a:latin typeface="+mj-lt"/>
+                <a:ea typeface="+mn-ea"/>
+                <a:cs typeface="+mn-cs"/>
+              </a:defRPr>
+            </a:lvl5pPr>
+            <a:lvl6pPr marL="2286000" indent="0" algn="ctr" defTabSz="914400" rtl="0" eaLnBrk="1" latinLnBrk="0" hangingPunct="1">
+              <a:spcBef>
+                <a:spcPct val="20000"/>
+              </a:spcBef>
+              <a:buFont typeface="Courier New" pitchFamily="49" charset="0"/>
+              <a:buNone/>
+              <a:defRPr sz="1600" kern="1200">
+                <a:solidFill>
+                  <a:schemeClr val="tx1">
+                    <a:tint val="75000"/>
+                  </a:schemeClr>
+                </a:solidFill>
+                <a:latin typeface="+mj-lt"/>
+                <a:ea typeface="+mn-ea"/>
+                <a:cs typeface="+mn-cs"/>
+              </a:defRPr>
+            </a:lvl6pPr>
+            <a:lvl7pPr marL="2743200" indent="0" algn="ctr" defTabSz="914400" rtl="0" eaLnBrk="1" latinLnBrk="0" hangingPunct="1">
+              <a:spcBef>
+                <a:spcPct val="20000"/>
+              </a:spcBef>
+              <a:buFont typeface="Arial" pitchFamily="34" charset="0"/>
+              <a:buNone/>
+              <a:defRPr sz="1600" kern="1200">
+                <a:solidFill>
+                  <a:schemeClr val="tx1">
+                    <a:tint val="75000"/>
+                  </a:schemeClr>
+                </a:solidFill>
+                <a:latin typeface="+mj-lt"/>
+                <a:ea typeface="+mn-ea"/>
+                <a:cs typeface="+mn-cs"/>
+              </a:defRPr>
+            </a:lvl7pPr>
+            <a:lvl8pPr marL="3200400" indent="0" algn="ctr" defTabSz="914400" rtl="0" eaLnBrk="1" latinLnBrk="0" hangingPunct="1">
+              <a:spcBef>
+                <a:spcPct val="20000"/>
+              </a:spcBef>
+              <a:buFont typeface="Courier New" pitchFamily="49" charset="0"/>
+              <a:buNone/>
+              <a:defRPr sz="1600" kern="1200">
+                <a:solidFill>
+                  <a:schemeClr val="tx1">
+                    <a:tint val="75000"/>
+                  </a:schemeClr>
+                </a:solidFill>
+                <a:latin typeface="+mj-lt"/>
+                <a:ea typeface="+mn-ea"/>
+                <a:cs typeface="+mn-cs"/>
+              </a:defRPr>
+            </a:lvl8pPr>
+            <a:lvl9pPr marL="3657600" indent="0" algn="ctr" defTabSz="914400" rtl="0" eaLnBrk="1" latinLnBrk="0" hangingPunct="1">
+              <a:spcBef>
+                <a:spcPct val="20000"/>
+              </a:spcBef>
+              <a:buFont typeface="Arial" pitchFamily="34" charset="0"/>
+              <a:buNone/>
+              <a:defRPr sz="1600" kern="1200">
+                <a:solidFill>
+                  <a:schemeClr val="tx1">
+                    <a:tint val="75000"/>
+                  </a:schemeClr>
+                </a:solidFill>
+                <a:latin typeface="+mj-lt"/>
+                <a:ea typeface="+mn-ea"/>
+                <a:cs typeface="+mn-cs"/>
+              </a:defRPr>
+            </a:lvl9pPr>
+          </a:lstStyle>
+          <a:p>
+            <a:pPr>
+              <a:spcBef>
+                <a:spcPct val="0"/>
+              </a:spcBef>
+            </a:pPr>
+            <a:r>
+              <a:rPr lang="zh-CN" altLang="en-US" sz="3600" dirty="0">
+                <a:solidFill>
+                  <a:schemeClr val="tx2"/>
+                </a:solidFill>
+                <a:effectLst>
+                  <a:outerShdw blurRad="63500" dist="38100" dir="5400000" algn="t" rotWithShape="0">
+                    <a:prstClr val="black">
+                      <a:alpha val="25000"/>
+                    </a:prstClr>
+                  </a:outerShdw>
+                </a:effectLst>
+                <a:latin typeface="+mj-ea"/>
+                <a:ea typeface="+mj-ea"/>
+                <a:cs typeface="+mj-cs"/>
+              </a:rPr>
+              <a:t>西安电子科技大学</a:t>
+            </a:r>
+          </a:p>
+        </p:txBody>
+      </p:sp>
     </p:spTree>
     <p:extLst>
       <p:ext uri="{BB962C8B-B14F-4D97-AF65-F5344CB8AC3E}">
